--- a/slides/10-enum-define-typedef.pptx
+++ b/slides/10-enum-define-typedef.pptx
@@ -4,13 +4,17 @@
   <p:sldMasterIdLst>
     <p:sldMasterId id="2147483648" r:id="rId1"/>
   </p:sldMasterIdLst>
+  <p:notesMasterIdLst>
+    <p:notesMasterId r:id="rId9"/>
+  </p:notesMasterIdLst>
   <p:sldIdLst>
     <p:sldId id="256" r:id="rId2"/>
-    <p:sldId id="257" r:id="rId3"/>
-    <p:sldId id="258" r:id="rId4"/>
-    <p:sldId id="259" r:id="rId5"/>
-    <p:sldId id="260" r:id="rId6"/>
-    <p:sldId id="261" r:id="rId7"/>
+    <p:sldId id="262" r:id="rId3"/>
+    <p:sldId id="257" r:id="rId4"/>
+    <p:sldId id="258" r:id="rId5"/>
+    <p:sldId id="259" r:id="rId6"/>
+    <p:sldId id="260" r:id="rId7"/>
+    <p:sldId id="261" r:id="rId8"/>
   </p:sldIdLst>
   <p:sldSz cx="12192000" cy="6858000"/>
   <p:notesSz cx="6858000" cy="9144000"/>
@@ -117,6 +121,440 @@
 </p:presentation>
 </file>
 
+<file path=ppt/notesMasters/notesMaster1.xml><?xml version="1.0" encoding="utf-8"?>
+<p:notesMaster xmlns:a="http://schemas.openxmlformats.org/drawingml/2006/main" xmlns:r="http://schemas.openxmlformats.org/officeDocument/2006/relationships" xmlns:p="http://schemas.openxmlformats.org/presentationml/2006/main">
+  <p:cSld>
+    <p:bg>
+      <p:bgRef idx="1001">
+        <a:schemeClr val="bg1"/>
+      </p:bgRef>
+    </p:bg>
+    <p:spTree>
+      <p:nvGrpSpPr>
+        <p:cNvPr id="1" name=""/>
+        <p:cNvGrpSpPr/>
+        <p:nvPr/>
+      </p:nvGrpSpPr>
+      <p:grpSpPr>
+        <a:xfrm>
+          <a:off x="0" y="0"/>
+          <a:ext cx="0" cy="0"/>
+          <a:chOff x="0" y="0"/>
+          <a:chExt cx="0" cy="0"/>
+        </a:xfrm>
+      </p:grpSpPr>
+      <p:sp>
+        <p:nvSpPr>
+          <p:cNvPr id="2" name="Header Placeholder 1"/>
+          <p:cNvSpPr>
+            <a:spLocks noGrp="1"/>
+          </p:cNvSpPr>
+          <p:nvPr>
+            <p:ph type="hdr" sz="quarter"/>
+          </p:nvPr>
+        </p:nvSpPr>
+        <p:spPr>
+          <a:xfrm>
+            <a:off x="0" y="0"/>
+            <a:ext cx="2971800" cy="458788"/>
+          </a:xfrm>
+          <a:prstGeom prst="rect">
+            <a:avLst/>
+          </a:prstGeom>
+        </p:spPr>
+        <p:txBody>
+          <a:bodyPr vert="horz" lIns="91440" tIns="45720" rIns="91440" bIns="45720" rtlCol="0"/>
+          <a:lstStyle>
+            <a:lvl1pPr algn="l">
+              <a:defRPr sz="1200"/>
+            </a:lvl1pPr>
+          </a:lstStyle>
+          <a:p>
+            <a:endParaRPr lang="en-US"/>
+          </a:p>
+        </p:txBody>
+      </p:sp>
+      <p:sp>
+        <p:nvSpPr>
+          <p:cNvPr id="3" name="Date Placeholder 2"/>
+          <p:cNvSpPr>
+            <a:spLocks noGrp="1"/>
+          </p:cNvSpPr>
+          <p:nvPr>
+            <p:ph type="dt" idx="1"/>
+          </p:nvPr>
+        </p:nvSpPr>
+        <p:spPr>
+          <a:xfrm>
+            <a:off x="3884613" y="0"/>
+            <a:ext cx="2971800" cy="458788"/>
+          </a:xfrm>
+          <a:prstGeom prst="rect">
+            <a:avLst/>
+          </a:prstGeom>
+        </p:spPr>
+        <p:txBody>
+          <a:bodyPr vert="horz" lIns="91440" tIns="45720" rIns="91440" bIns="45720" rtlCol="0"/>
+          <a:lstStyle>
+            <a:lvl1pPr algn="r">
+              <a:defRPr sz="1200"/>
+            </a:lvl1pPr>
+          </a:lstStyle>
+          <a:p>
+            <a:fld id="{F502FE0C-76C6-47D5-9C77-2101940F5296}" type="datetimeFigureOut">
+              <a:rPr lang="en-US" smtClean="0"/>
+              <a:t>10/5/2023</a:t>
+            </a:fld>
+            <a:endParaRPr lang="en-US"/>
+          </a:p>
+        </p:txBody>
+      </p:sp>
+      <p:sp>
+        <p:nvSpPr>
+          <p:cNvPr id="4" name="Slide Image Placeholder 3"/>
+          <p:cNvSpPr>
+            <a:spLocks noGrp="1" noRot="1" noChangeAspect="1"/>
+          </p:cNvSpPr>
+          <p:nvPr>
+            <p:ph type="sldImg" idx="2"/>
+          </p:nvPr>
+        </p:nvSpPr>
+        <p:spPr>
+          <a:xfrm>
+            <a:off x="685800" y="1143000"/>
+            <a:ext cx="5486400" cy="3086100"/>
+          </a:xfrm>
+          <a:prstGeom prst="rect">
+            <a:avLst/>
+          </a:prstGeom>
+          <a:noFill/>
+          <a:ln w="12700">
+            <a:solidFill>
+              <a:prstClr val="black"/>
+            </a:solidFill>
+          </a:ln>
+        </p:spPr>
+        <p:txBody>
+          <a:bodyPr vert="horz" lIns="91440" tIns="45720" rIns="91440" bIns="45720" rtlCol="0" anchor="ctr"/>
+          <a:lstStyle/>
+          <a:p>
+            <a:endParaRPr lang="en-US"/>
+          </a:p>
+        </p:txBody>
+      </p:sp>
+      <p:sp>
+        <p:nvSpPr>
+          <p:cNvPr id="5" name="Notes Placeholder 4"/>
+          <p:cNvSpPr>
+            <a:spLocks noGrp="1"/>
+          </p:cNvSpPr>
+          <p:nvPr>
+            <p:ph type="body" sz="quarter" idx="3"/>
+          </p:nvPr>
+        </p:nvSpPr>
+        <p:spPr>
+          <a:xfrm>
+            <a:off x="685800" y="4400550"/>
+            <a:ext cx="5486400" cy="3600450"/>
+          </a:xfrm>
+          <a:prstGeom prst="rect">
+            <a:avLst/>
+          </a:prstGeom>
+        </p:spPr>
+        <p:txBody>
+          <a:bodyPr vert="horz" lIns="91440" tIns="45720" rIns="91440" bIns="45720" rtlCol="0"/>
+          <a:lstStyle/>
+          <a:p>
+            <a:pPr lvl="0"/>
+            <a:r>
+              <a:rPr lang="en-US" smtClean="0"/>
+              <a:t>Edit Master text styles</a:t>
+            </a:r>
+          </a:p>
+          <a:p>
+            <a:pPr lvl="1"/>
+            <a:r>
+              <a:rPr lang="en-US" smtClean="0"/>
+              <a:t>Second level</a:t>
+            </a:r>
+          </a:p>
+          <a:p>
+            <a:pPr lvl="2"/>
+            <a:r>
+              <a:rPr lang="en-US" smtClean="0"/>
+              <a:t>Third level</a:t>
+            </a:r>
+          </a:p>
+          <a:p>
+            <a:pPr lvl="3"/>
+            <a:r>
+              <a:rPr lang="en-US" smtClean="0"/>
+              <a:t>Fourth level</a:t>
+            </a:r>
+          </a:p>
+          <a:p>
+            <a:pPr lvl="4"/>
+            <a:r>
+              <a:rPr lang="en-US" smtClean="0"/>
+              <a:t>Fifth level</a:t>
+            </a:r>
+            <a:endParaRPr lang="en-US"/>
+          </a:p>
+        </p:txBody>
+      </p:sp>
+      <p:sp>
+        <p:nvSpPr>
+          <p:cNvPr id="6" name="Footer Placeholder 5"/>
+          <p:cNvSpPr>
+            <a:spLocks noGrp="1"/>
+          </p:cNvSpPr>
+          <p:nvPr>
+            <p:ph type="ftr" sz="quarter" idx="4"/>
+          </p:nvPr>
+        </p:nvSpPr>
+        <p:spPr>
+          <a:xfrm>
+            <a:off x="0" y="8685213"/>
+            <a:ext cx="2971800" cy="458787"/>
+          </a:xfrm>
+          <a:prstGeom prst="rect">
+            <a:avLst/>
+          </a:prstGeom>
+        </p:spPr>
+        <p:txBody>
+          <a:bodyPr vert="horz" lIns="91440" tIns="45720" rIns="91440" bIns="45720" rtlCol="0" anchor="b"/>
+          <a:lstStyle>
+            <a:lvl1pPr algn="l">
+              <a:defRPr sz="1200"/>
+            </a:lvl1pPr>
+          </a:lstStyle>
+          <a:p>
+            <a:endParaRPr lang="en-US"/>
+          </a:p>
+        </p:txBody>
+      </p:sp>
+      <p:sp>
+        <p:nvSpPr>
+          <p:cNvPr id="7" name="Slide Number Placeholder 6"/>
+          <p:cNvSpPr>
+            <a:spLocks noGrp="1"/>
+          </p:cNvSpPr>
+          <p:nvPr>
+            <p:ph type="sldNum" sz="quarter" idx="5"/>
+          </p:nvPr>
+        </p:nvSpPr>
+        <p:spPr>
+          <a:xfrm>
+            <a:off x="3884613" y="8685213"/>
+            <a:ext cx="2971800" cy="458787"/>
+          </a:xfrm>
+          <a:prstGeom prst="rect">
+            <a:avLst/>
+          </a:prstGeom>
+        </p:spPr>
+        <p:txBody>
+          <a:bodyPr vert="horz" lIns="91440" tIns="45720" rIns="91440" bIns="45720" rtlCol="0" anchor="b"/>
+          <a:lstStyle>
+            <a:lvl1pPr algn="r">
+              <a:defRPr sz="1200"/>
+            </a:lvl1pPr>
+          </a:lstStyle>
+          <a:p>
+            <a:fld id="{A1EC5704-E5AB-4B72-B646-7C1597448065}" type="slidenum">
+              <a:rPr lang="en-US" smtClean="0"/>
+              <a:t>‹#›</a:t>
+            </a:fld>
+            <a:endParaRPr lang="en-US"/>
+          </a:p>
+        </p:txBody>
+      </p:sp>
+    </p:spTree>
+    <p:extLst>
+      <p:ext uri="{BB962C8B-B14F-4D97-AF65-F5344CB8AC3E}">
+        <p14:creationId xmlns:p14="http://schemas.microsoft.com/office/powerpoint/2010/main" val="3682523988"/>
+      </p:ext>
+    </p:extLst>
+  </p:cSld>
+  <p:clrMap bg1="lt1" tx1="dk1" bg2="lt2" tx2="dk2" accent1="accent1" accent2="accent2" accent3="accent3" accent4="accent4" accent5="accent5" accent6="accent6" hlink="hlink" folHlink="folHlink"/>
+  <p:notesStyle>
+    <a:lvl1pPr marL="0" algn="l" defTabSz="914400" rtl="0" eaLnBrk="1" latinLnBrk="0" hangingPunct="1">
+      <a:defRPr sz="1200" kern="1200">
+        <a:solidFill>
+          <a:schemeClr val="tx1"/>
+        </a:solidFill>
+        <a:latin typeface="+mn-lt"/>
+        <a:ea typeface="+mn-ea"/>
+        <a:cs typeface="+mn-cs"/>
+      </a:defRPr>
+    </a:lvl1pPr>
+    <a:lvl2pPr marL="457200" algn="l" defTabSz="914400" rtl="0" eaLnBrk="1" latinLnBrk="0" hangingPunct="1">
+      <a:defRPr sz="1200" kern="1200">
+        <a:solidFill>
+          <a:schemeClr val="tx1"/>
+        </a:solidFill>
+        <a:latin typeface="+mn-lt"/>
+        <a:ea typeface="+mn-ea"/>
+        <a:cs typeface="+mn-cs"/>
+      </a:defRPr>
+    </a:lvl2pPr>
+    <a:lvl3pPr marL="914400" algn="l" defTabSz="914400" rtl="0" eaLnBrk="1" latinLnBrk="0" hangingPunct="1">
+      <a:defRPr sz="1200" kern="1200">
+        <a:solidFill>
+          <a:schemeClr val="tx1"/>
+        </a:solidFill>
+        <a:latin typeface="+mn-lt"/>
+        <a:ea typeface="+mn-ea"/>
+        <a:cs typeface="+mn-cs"/>
+      </a:defRPr>
+    </a:lvl3pPr>
+    <a:lvl4pPr marL="1371600" algn="l" defTabSz="914400" rtl="0" eaLnBrk="1" latinLnBrk="0" hangingPunct="1">
+      <a:defRPr sz="1200" kern="1200">
+        <a:solidFill>
+          <a:schemeClr val="tx1"/>
+        </a:solidFill>
+        <a:latin typeface="+mn-lt"/>
+        <a:ea typeface="+mn-ea"/>
+        <a:cs typeface="+mn-cs"/>
+      </a:defRPr>
+    </a:lvl4pPr>
+    <a:lvl5pPr marL="1828800" algn="l" defTabSz="914400" rtl="0" eaLnBrk="1" latinLnBrk="0" hangingPunct="1">
+      <a:defRPr sz="1200" kern="1200">
+        <a:solidFill>
+          <a:schemeClr val="tx1"/>
+        </a:solidFill>
+        <a:latin typeface="+mn-lt"/>
+        <a:ea typeface="+mn-ea"/>
+        <a:cs typeface="+mn-cs"/>
+      </a:defRPr>
+    </a:lvl5pPr>
+    <a:lvl6pPr marL="2286000" algn="l" defTabSz="914400" rtl="0" eaLnBrk="1" latinLnBrk="0" hangingPunct="1">
+      <a:defRPr sz="1200" kern="1200">
+        <a:solidFill>
+          <a:schemeClr val="tx1"/>
+        </a:solidFill>
+        <a:latin typeface="+mn-lt"/>
+        <a:ea typeface="+mn-ea"/>
+        <a:cs typeface="+mn-cs"/>
+      </a:defRPr>
+    </a:lvl6pPr>
+    <a:lvl7pPr marL="2743200" algn="l" defTabSz="914400" rtl="0" eaLnBrk="1" latinLnBrk="0" hangingPunct="1">
+      <a:defRPr sz="1200" kern="1200">
+        <a:solidFill>
+          <a:schemeClr val="tx1"/>
+        </a:solidFill>
+        <a:latin typeface="+mn-lt"/>
+        <a:ea typeface="+mn-ea"/>
+        <a:cs typeface="+mn-cs"/>
+      </a:defRPr>
+    </a:lvl7pPr>
+    <a:lvl8pPr marL="3200400" algn="l" defTabSz="914400" rtl="0" eaLnBrk="1" latinLnBrk="0" hangingPunct="1">
+      <a:defRPr sz="1200" kern="1200">
+        <a:solidFill>
+          <a:schemeClr val="tx1"/>
+        </a:solidFill>
+        <a:latin typeface="+mn-lt"/>
+        <a:ea typeface="+mn-ea"/>
+        <a:cs typeface="+mn-cs"/>
+      </a:defRPr>
+    </a:lvl8pPr>
+    <a:lvl9pPr marL="3657600" algn="l" defTabSz="914400" rtl="0" eaLnBrk="1" latinLnBrk="0" hangingPunct="1">
+      <a:defRPr sz="1200" kern="1200">
+        <a:solidFill>
+          <a:schemeClr val="tx1"/>
+        </a:solidFill>
+        <a:latin typeface="+mn-lt"/>
+        <a:ea typeface="+mn-ea"/>
+        <a:cs typeface="+mn-cs"/>
+      </a:defRPr>
+    </a:lvl9pPr>
+  </p:notesStyle>
+</p:notesMaster>
+</file>
+
+<file path=ppt/notesSlides/notesSlide1.xml><?xml version="1.0" encoding="utf-8"?>
+<p:notes xmlns:a="http://schemas.openxmlformats.org/drawingml/2006/main" xmlns:r="http://schemas.openxmlformats.org/officeDocument/2006/relationships" xmlns:p="http://schemas.openxmlformats.org/presentationml/2006/main">
+  <p:cSld>
+    <p:spTree>
+      <p:nvGrpSpPr>
+        <p:cNvPr id="1" name=""/>
+        <p:cNvGrpSpPr/>
+        <p:nvPr/>
+      </p:nvGrpSpPr>
+      <p:grpSpPr>
+        <a:xfrm>
+          <a:off x="0" y="0"/>
+          <a:ext cx="0" cy="0"/>
+          <a:chOff x="0" y="0"/>
+          <a:chExt cx="0" cy="0"/>
+        </a:xfrm>
+      </p:grpSpPr>
+      <p:sp>
+        <p:nvSpPr>
+          <p:cNvPr id="2" name="Slide Image Placeholder 1"/>
+          <p:cNvSpPr>
+            <a:spLocks noGrp="1" noRot="1" noChangeAspect="1"/>
+          </p:cNvSpPr>
+          <p:nvPr>
+            <p:ph type="sldImg"/>
+          </p:nvPr>
+        </p:nvSpPr>
+        <p:spPr/>
+      </p:sp>
+      <p:sp>
+        <p:nvSpPr>
+          <p:cNvPr id="3" name="Notes Placeholder 2"/>
+          <p:cNvSpPr>
+            <a:spLocks noGrp="1"/>
+          </p:cNvSpPr>
+          <p:nvPr>
+            <p:ph type="body" idx="1"/>
+          </p:nvPr>
+        </p:nvSpPr>
+        <p:spPr/>
+        <p:txBody>
+          <a:bodyPr/>
+          <a:lstStyle/>
+          <a:p>
+            <a:endParaRPr lang="en-US" dirty="0"/>
+          </a:p>
+        </p:txBody>
+      </p:sp>
+      <p:sp>
+        <p:nvSpPr>
+          <p:cNvPr id="4" name="Slide Number Placeholder 3"/>
+          <p:cNvSpPr>
+            <a:spLocks noGrp="1"/>
+          </p:cNvSpPr>
+          <p:nvPr>
+            <p:ph type="sldNum" sz="quarter" idx="10"/>
+          </p:nvPr>
+        </p:nvSpPr>
+        <p:spPr/>
+        <p:txBody>
+          <a:bodyPr/>
+          <a:lstStyle/>
+          <a:p>
+            <a:fld id="{A1EC5704-E5AB-4B72-B646-7C1597448065}" type="slidenum">
+              <a:rPr lang="en-US" smtClean="0"/>
+              <a:t>7</a:t>
+            </a:fld>
+            <a:endParaRPr lang="en-US"/>
+          </a:p>
+        </p:txBody>
+      </p:sp>
+    </p:spTree>
+    <p:extLst>
+      <p:ext uri="{BB962C8B-B14F-4D97-AF65-F5344CB8AC3E}">
+        <p14:creationId xmlns:p14="http://schemas.microsoft.com/office/powerpoint/2010/main" val="35001947"/>
+      </p:ext>
+    </p:extLst>
+  </p:cSld>
+  <p:clrMapOvr>
+    <a:masterClrMapping/>
+  </p:clrMapOvr>
+</p:notes>
+</file>
+
 <file path=ppt/slideLayouts/slideLayout1.xml><?xml version="1.0" encoding="utf-8"?>
 <p:sldLayout xmlns:a="http://schemas.openxmlformats.org/drawingml/2006/main" xmlns:r="http://schemas.openxmlformats.org/officeDocument/2006/relationships" xmlns:p="http://schemas.openxmlformats.org/presentationml/2006/main" type="title" preserve="1">
   <p:cSld name="Title Slide">
@@ -248,7 +686,7 @@
           <a:p>
             <a:fld id="{FE0C0D0D-CE86-455C-A515-A149160DE2CD}" type="datetimeFigureOut">
               <a:rPr lang="en-US" smtClean="0"/>
-              <a:t>7/11/2023</a:t>
+              <a:t>10/5/2023</a:t>
             </a:fld>
             <a:endParaRPr lang="en-US"/>
           </a:p>
@@ -418,7 +856,7 @@
           <a:p>
             <a:fld id="{FE0C0D0D-CE86-455C-A515-A149160DE2CD}" type="datetimeFigureOut">
               <a:rPr lang="en-US" smtClean="0"/>
-              <a:t>7/11/2023</a:t>
+              <a:t>10/5/2023</a:t>
             </a:fld>
             <a:endParaRPr lang="en-US"/>
           </a:p>
@@ -598,7 +1036,7 @@
           <a:p>
             <a:fld id="{FE0C0D0D-CE86-455C-A515-A149160DE2CD}" type="datetimeFigureOut">
               <a:rPr lang="en-US" smtClean="0"/>
-              <a:t>7/11/2023</a:t>
+              <a:t>10/5/2023</a:t>
             </a:fld>
             <a:endParaRPr lang="en-US"/>
           </a:p>
@@ -768,7 +1206,7 @@
           <a:p>
             <a:fld id="{FE0C0D0D-CE86-455C-A515-A149160DE2CD}" type="datetimeFigureOut">
               <a:rPr lang="en-US" smtClean="0"/>
-              <a:t>7/11/2023</a:t>
+              <a:t>10/5/2023</a:t>
             </a:fld>
             <a:endParaRPr lang="en-US"/>
           </a:p>
@@ -1014,7 +1452,7 @@
           <a:p>
             <a:fld id="{FE0C0D0D-CE86-455C-A515-A149160DE2CD}" type="datetimeFigureOut">
               <a:rPr lang="en-US" smtClean="0"/>
-              <a:t>7/11/2023</a:t>
+              <a:t>10/5/2023</a:t>
             </a:fld>
             <a:endParaRPr lang="en-US"/>
           </a:p>
@@ -1246,7 +1684,7 @@
           <a:p>
             <a:fld id="{FE0C0D0D-CE86-455C-A515-A149160DE2CD}" type="datetimeFigureOut">
               <a:rPr lang="en-US" smtClean="0"/>
-              <a:t>7/11/2023</a:t>
+              <a:t>10/5/2023</a:t>
             </a:fld>
             <a:endParaRPr lang="en-US"/>
           </a:p>
@@ -1613,7 +2051,7 @@
           <a:p>
             <a:fld id="{FE0C0D0D-CE86-455C-A515-A149160DE2CD}" type="datetimeFigureOut">
               <a:rPr lang="en-US" smtClean="0"/>
-              <a:t>7/11/2023</a:t>
+              <a:t>10/5/2023</a:t>
             </a:fld>
             <a:endParaRPr lang="en-US"/>
           </a:p>
@@ -1731,7 +2169,7 @@
           <a:p>
             <a:fld id="{FE0C0D0D-CE86-455C-A515-A149160DE2CD}" type="datetimeFigureOut">
               <a:rPr lang="en-US" smtClean="0"/>
-              <a:t>7/11/2023</a:t>
+              <a:t>10/5/2023</a:t>
             </a:fld>
             <a:endParaRPr lang="en-US"/>
           </a:p>
@@ -1826,7 +2264,7 @@
           <a:p>
             <a:fld id="{FE0C0D0D-CE86-455C-A515-A149160DE2CD}" type="datetimeFigureOut">
               <a:rPr lang="en-US" smtClean="0"/>
-              <a:t>7/11/2023</a:t>
+              <a:t>10/5/2023</a:t>
             </a:fld>
             <a:endParaRPr lang="en-US"/>
           </a:p>
@@ -2103,7 +2541,7 @@
           <a:p>
             <a:fld id="{FE0C0D0D-CE86-455C-A515-A149160DE2CD}" type="datetimeFigureOut">
               <a:rPr lang="en-US" smtClean="0"/>
-              <a:t>7/11/2023</a:t>
+              <a:t>10/5/2023</a:t>
             </a:fld>
             <a:endParaRPr lang="en-US"/>
           </a:p>
@@ -2356,7 +2794,7 @@
           <a:p>
             <a:fld id="{FE0C0D0D-CE86-455C-A515-A149160DE2CD}" type="datetimeFigureOut">
               <a:rPr lang="en-US" smtClean="0"/>
-              <a:t>7/11/2023</a:t>
+              <a:t>10/5/2023</a:t>
             </a:fld>
             <a:endParaRPr lang="en-US"/>
           </a:p>
@@ -2569,7 +3007,7 @@
           <a:p>
             <a:fld id="{FE0C0D0D-CE86-455C-A515-A149160DE2CD}" type="datetimeFigureOut">
               <a:rPr lang="en-US" smtClean="0"/>
-              <a:t>7/11/2023</a:t>
+              <a:t>10/5/2023</a:t>
             </a:fld>
             <a:endParaRPr lang="en-US"/>
           </a:p>
@@ -2991,7 +3429,14 @@
           <a:p>
             <a:r>
               <a:rPr lang="en-US" dirty="0" smtClean="0"/>
-              <a:t>Some more basic C stuff</a:t>
+              <a:t>Some more basic C stuff – </a:t>
+            </a:r>
+            <a:br>
+              <a:rPr lang="en-US" dirty="0" smtClean="0"/>
+            </a:br>
+            <a:r>
+              <a:rPr lang="en-US" dirty="0" smtClean="0"/>
+              <a:t>Making your own definitions</a:t>
             </a:r>
             <a:endParaRPr lang="en-US" dirty="0"/>
           </a:p>
@@ -3009,10 +3454,44 @@
         </p:nvSpPr>
         <p:spPr/>
         <p:txBody>
-          <a:bodyPr/>
+          <a:bodyPr>
+            <a:normAutofit/>
+          </a:bodyPr>
           <a:lstStyle/>
           <a:p>
-            <a:endParaRPr lang="en-US"/>
+            <a:r>
+              <a:rPr lang="en-US" sz="2800" b="1" dirty="0" err="1" smtClean="0">
+                <a:latin typeface="Courier New" panose="02070309020205020404" pitchFamily="49" charset="0"/>
+                <a:cs typeface="Courier New" panose="02070309020205020404" pitchFamily="49" charset="0"/>
+              </a:rPr>
+              <a:t>enum</a:t>
+            </a:r>
+            <a:endParaRPr lang="en-US" sz="2800" b="1" dirty="0" smtClean="0">
+              <a:latin typeface="Courier New" panose="02070309020205020404" pitchFamily="49" charset="0"/>
+              <a:cs typeface="Courier New" panose="02070309020205020404" pitchFamily="49" charset="0"/>
+            </a:endParaRPr>
+          </a:p>
+          <a:p>
+            <a:r>
+              <a:rPr lang="en-US" sz="2800" b="1" dirty="0" smtClean="0">
+                <a:latin typeface="Courier New" panose="02070309020205020404" pitchFamily="49" charset="0"/>
+                <a:cs typeface="Courier New" panose="02070309020205020404" pitchFamily="49" charset="0"/>
+              </a:rPr>
+              <a:t>#define</a:t>
+            </a:r>
+          </a:p>
+          <a:p>
+            <a:r>
+              <a:rPr lang="en-US" sz="2800" b="1" dirty="0" err="1" smtClean="0">
+                <a:latin typeface="Courier New" panose="02070309020205020404" pitchFamily="49" charset="0"/>
+                <a:cs typeface="Courier New" panose="02070309020205020404" pitchFamily="49" charset="0"/>
+              </a:rPr>
+              <a:t>typedef</a:t>
+            </a:r>
+            <a:endParaRPr lang="en-US" sz="2800" b="1" dirty="0">
+              <a:latin typeface="Courier New" panose="02070309020205020404" pitchFamily="49" charset="0"/>
+              <a:cs typeface="Courier New" panose="02070309020205020404" pitchFamily="49" charset="0"/>
+            </a:endParaRPr>
           </a:p>
         </p:txBody>
       </p:sp>
@@ -3063,7 +3542,12 @@
             <p:ph type="title"/>
           </p:nvPr>
         </p:nvSpPr>
-        <p:spPr/>
+        <p:spPr>
+          <a:xfrm>
+            <a:off x="838200" y="379193"/>
+            <a:ext cx="10515600" cy="1325563"/>
+          </a:xfrm>
+        </p:spPr>
         <p:txBody>
           <a:bodyPr/>
           <a:lstStyle/>
@@ -3086,218 +3570,90 @@
             <p:ph idx="1"/>
           </p:nvPr>
         </p:nvSpPr>
-        <p:spPr/>
+        <p:spPr>
+          <a:xfrm>
+            <a:off x="838200" y="1825623"/>
+            <a:ext cx="10515600" cy="5264493"/>
+          </a:xfrm>
+        </p:spPr>
         <p:txBody>
           <a:bodyPr>
-            <a:normAutofit/>
+            <a:normAutofit fontScale="85000" lnSpcReduction="20000"/>
           </a:bodyPr>
           <a:lstStyle/>
           <a:p>
             <a:r>
               <a:rPr lang="en-US" dirty="0" smtClean="0"/>
-              <a:t>C provides a way to give a set of values (represented by identifiers) a type of its own. </a:t>
-            </a:r>
-          </a:p>
-          <a:p>
-            <a:r>
-              <a:rPr lang="en-US" sz="2000" dirty="0" err="1" smtClean="0">
+              <a:t>C provides a way to define a list of constant </a:t>
+            </a:r>
+            <a:r>
+              <a:rPr lang="en-US" b="1" dirty="0" smtClean="0"/>
+              <a:t>name-value pairs with integer values</a:t>
+            </a:r>
+          </a:p>
+          <a:p>
+            <a:r>
+              <a:rPr lang="en-US" dirty="0" smtClean="0"/>
+              <a:t>It is called an    </a:t>
+            </a:r>
+            <a:r>
+              <a:rPr lang="en-US" b="1" dirty="0" err="1" smtClean="0">
+                <a:solidFill>
+                  <a:schemeClr val="accent1"/>
+                </a:solidFill>
                 <a:latin typeface="Courier New" panose="02070309020205020404" pitchFamily="49" charset="0"/>
                 <a:cs typeface="Courier New" panose="02070309020205020404" pitchFamily="49" charset="0"/>
               </a:rPr>
               <a:t>enum</a:t>
             </a:r>
             <a:r>
-              <a:rPr lang="en-US" sz="2000" dirty="0" smtClean="0">
-                <a:latin typeface="Courier New" panose="02070309020205020404" pitchFamily="49" charset="0"/>
-                <a:cs typeface="Courier New" panose="02070309020205020404" pitchFamily="49" charset="0"/>
-              </a:rPr>
-              <a:t> rays { alpha, beta, gamma };</a:t>
-            </a:r>
-          </a:p>
-          <a:p>
-            <a:pPr lvl="1"/>
+              <a:rPr lang="en-US" dirty="0" smtClean="0">
+                <a:solidFill>
+                  <a:schemeClr val="accent1"/>
+                </a:solidFill>
+              </a:rPr>
+              <a:t>  </a:t>
+            </a:r>
             <a:r>
               <a:rPr lang="en-US" dirty="0" smtClean="0"/>
-              <a:t>Definition of a type referred as </a:t>
-            </a:r>
-            <a:r>
-              <a:rPr lang="en-US" sz="2000" dirty="0" err="1">
-                <a:latin typeface="Courier New" panose="02070309020205020404" pitchFamily="49" charset="0"/>
-                <a:cs typeface="Courier New" panose="02070309020205020404" pitchFamily="49" charset="0"/>
-              </a:rPr>
-              <a:t>enum</a:t>
-            </a:r>
-            <a:r>
-              <a:rPr lang="en-US" sz="2000" dirty="0">
-                <a:latin typeface="Courier New" panose="02070309020205020404" pitchFamily="49" charset="0"/>
-                <a:cs typeface="Courier New" panose="02070309020205020404" pitchFamily="49" charset="0"/>
-              </a:rPr>
-              <a:t> rays</a:t>
-            </a:r>
+              <a:t> definition in C parlance.</a:t>
+            </a:r>
+          </a:p>
+          <a:p>
             <a:r>
               <a:rPr lang="en-US" dirty="0" smtClean="0"/>
-              <a:t>.</a:t>
-            </a:r>
-          </a:p>
-          <a:p>
-            <a:pPr lvl="1"/>
-            <a:r>
-              <a:rPr lang="en-US" sz="2000" dirty="0">
-                <a:latin typeface="Courier New" panose="02070309020205020404" pitchFamily="49" charset="0"/>
-                <a:cs typeface="Courier New" panose="02070309020205020404" pitchFamily="49" charset="0"/>
-              </a:rPr>
-              <a:t>alpha</a:t>
-            </a:r>
-            <a:r>
-              <a:rPr lang="en-US" sz="2000" dirty="0" smtClean="0">
-                <a:latin typeface="Courier New" panose="02070309020205020404" pitchFamily="49" charset="0"/>
-                <a:cs typeface="Courier New" panose="02070309020205020404" pitchFamily="49" charset="0"/>
-              </a:rPr>
-              <a:t>, beta </a:t>
-            </a:r>
-            <a:r>
-              <a:rPr lang="en-US" dirty="0">
-                <a:cs typeface="Courier New" panose="02070309020205020404" pitchFamily="49" charset="0"/>
-              </a:rPr>
-              <a:t>and</a:t>
-            </a:r>
-            <a:r>
-              <a:rPr lang="en-US" sz="2000" dirty="0">
-                <a:latin typeface="Courier New" panose="02070309020205020404" pitchFamily="49" charset="0"/>
-                <a:cs typeface="Courier New" panose="02070309020205020404" pitchFamily="49" charset="0"/>
-              </a:rPr>
-              <a:t> gamma </a:t>
+              <a:t>For example:</a:t>
+            </a:r>
+          </a:p>
+          <a:p>
+            <a:pPr marL="0" indent="0">
+              <a:buNone/>
+            </a:pPr>
+            <a:r>
+              <a:rPr lang="en-US" dirty="0"/>
+              <a:t> </a:t>
             </a:r>
             <a:r>
               <a:rPr lang="en-US" dirty="0" smtClean="0"/>
-              <a:t>are defined as constants with values 0,1 and 2.</a:t>
-            </a:r>
-          </a:p>
-          <a:p>
-            <a:pPr lvl="1"/>
-            <a:r>
-              <a:rPr lang="en-US" sz="2000" dirty="0" err="1">
-                <a:latin typeface="Courier New" panose="02070309020205020404" pitchFamily="49" charset="0"/>
-                <a:cs typeface="Courier New" panose="02070309020205020404" pitchFamily="49" charset="0"/>
-              </a:rPr>
-              <a:t>enum</a:t>
-            </a:r>
-            <a:r>
-              <a:rPr lang="en-US" sz="2000" dirty="0">
-                <a:latin typeface="Courier New" panose="02070309020205020404" pitchFamily="49" charset="0"/>
-                <a:cs typeface="Courier New" panose="02070309020205020404" pitchFamily="49" charset="0"/>
-              </a:rPr>
-              <a:t> rays { alpha=1, beta=2, gamma=4 };  </a:t>
+              <a:t>   enumerated </a:t>
+            </a:r>
+            <a:r>
+              <a:rPr lang="en-US" sz="2400" b="1" i="1" dirty="0" smtClean="0"/>
+              <a:t>list of rays</a:t>
+            </a:r>
+            <a:r>
+              <a:rPr lang="en-US" sz="2400" b="1" dirty="0" smtClean="0"/>
+              <a:t>                              </a:t>
             </a:r>
             <a:r>
               <a:rPr lang="en-US" dirty="0" smtClean="0"/>
-              <a:t>would give them the mentioned values.</a:t>
-            </a:r>
-          </a:p>
-          <a:p>
-            <a:r>
-              <a:rPr lang="en-US" sz="2000" dirty="0" err="1">
-                <a:latin typeface="Courier New" panose="02070309020205020404" pitchFamily="49" charset="0"/>
-                <a:cs typeface="Courier New" panose="02070309020205020404" pitchFamily="49" charset="0"/>
-              </a:rPr>
-              <a:t>enum</a:t>
-            </a:r>
-            <a:r>
-              <a:rPr lang="en-US" sz="2000" dirty="0">
-                <a:latin typeface="Courier New" panose="02070309020205020404" pitchFamily="49" charset="0"/>
-                <a:cs typeface="Courier New" panose="02070309020205020404" pitchFamily="49" charset="0"/>
-              </a:rPr>
-              <a:t> rays x;</a:t>
-            </a:r>
-          </a:p>
-          <a:p>
-            <a:pPr lvl="1"/>
-            <a:r>
-              <a:rPr lang="en-US" sz="2000" dirty="0">
-                <a:latin typeface="Courier New" panose="02070309020205020404" pitchFamily="49" charset="0"/>
-                <a:cs typeface="Courier New" panose="02070309020205020404" pitchFamily="49" charset="0"/>
-              </a:rPr>
-              <a:t>x</a:t>
-            </a:r>
-            <a:r>
-              <a:rPr lang="en-US" dirty="0" smtClean="0"/>
-              <a:t> is a variable which can take values from the set { </a:t>
-            </a:r>
-            <a:r>
-              <a:rPr lang="en-US" dirty="0" err="1" smtClean="0"/>
-              <a:t>alpa</a:t>
-            </a:r>
-            <a:r>
-              <a:rPr lang="en-US" dirty="0" smtClean="0"/>
-              <a:t>, beta, gamma}</a:t>
-            </a:r>
-          </a:p>
-          <a:p>
-            <a:pPr lvl="1"/>
-            <a:r>
-              <a:rPr lang="en-US" sz="2000" dirty="0">
-                <a:latin typeface="Courier New" panose="02070309020205020404" pitchFamily="49" charset="0"/>
-                <a:cs typeface="Courier New" panose="02070309020205020404" pitchFamily="49" charset="0"/>
-              </a:rPr>
-              <a:t>x = alpha;  </a:t>
-            </a:r>
-            <a:r>
-              <a:rPr lang="en-US" dirty="0" smtClean="0"/>
-              <a:t>is a sample use case.</a:t>
-            </a:r>
-          </a:p>
-          <a:p>
-            <a:pPr lvl="1"/>
-            <a:r>
-              <a:rPr lang="en-US" sz="2000" dirty="0" err="1">
-                <a:latin typeface="Courier New" panose="02070309020205020404" pitchFamily="49" charset="0"/>
-                <a:cs typeface="Courier New" panose="02070309020205020404" pitchFamily="49" charset="0"/>
-              </a:rPr>
-              <a:t>printf</a:t>
-            </a:r>
-            <a:r>
-              <a:rPr lang="en-US" sz="2000" dirty="0">
-                <a:latin typeface="Courier New" panose="02070309020205020404" pitchFamily="49" charset="0"/>
-                <a:cs typeface="Courier New" panose="02070309020205020404" pitchFamily="49" charset="0"/>
-              </a:rPr>
-              <a:t>(“%d\</a:t>
-            </a:r>
-            <a:r>
-              <a:rPr lang="en-US" sz="2000" dirty="0" err="1">
-                <a:latin typeface="Courier New" panose="02070309020205020404" pitchFamily="49" charset="0"/>
-                <a:cs typeface="Courier New" panose="02070309020205020404" pitchFamily="49" charset="0"/>
-              </a:rPr>
-              <a:t>n”,alpha</a:t>
-            </a:r>
-            <a:r>
-              <a:rPr lang="en-US" sz="2000" dirty="0">
-                <a:latin typeface="Courier New" panose="02070309020205020404" pitchFamily="49" charset="0"/>
-                <a:cs typeface="Courier New" panose="02070309020205020404" pitchFamily="49" charset="0"/>
-              </a:rPr>
-              <a:t>); </a:t>
-            </a:r>
-            <a:r>
-              <a:rPr lang="en-US" dirty="0" smtClean="0"/>
-              <a:t>would print</a:t>
-            </a:r>
-            <a:r>
-              <a:rPr lang="en-US" sz="2000" dirty="0">
-                <a:latin typeface="Courier New" panose="02070309020205020404" pitchFamily="49" charset="0"/>
-                <a:cs typeface="Courier New" panose="02070309020205020404" pitchFamily="49" charset="0"/>
-              </a:rPr>
-              <a:t>: </a:t>
-            </a:r>
-            <a:r>
-              <a:rPr lang="en-US" sz="2000" dirty="0" smtClean="0">
-                <a:latin typeface="Courier New" panose="02070309020205020404" pitchFamily="49" charset="0"/>
-                <a:cs typeface="Courier New" panose="02070309020205020404" pitchFamily="49" charset="0"/>
-              </a:rPr>
-              <a:t>0 </a:t>
-            </a:r>
-            <a:r>
-              <a:rPr lang="en-US" dirty="0" smtClean="0"/>
-              <a:t>assuming the first definition.</a:t>
-            </a:r>
+              <a:t>enumerated </a:t>
+            </a:r>
+            <a:r>
+              <a:rPr lang="en-US" sz="2400" b="1" i="1" dirty="0" smtClean="0"/>
+              <a:t>list of logical values            </a:t>
+            </a:r>
+            <a:endParaRPr lang="en-US" b="1" i="1" dirty="0"/>
           </a:p>
           <a:p>
             <a:pPr lvl="1"/>
@@ -3309,13 +3665,644 @@
           </a:p>
           <a:p>
             <a:endParaRPr lang="en-US" dirty="0"/>
+          </a:p>
+          <a:p>
+            <a:endParaRPr lang="en-US" dirty="0" smtClean="0"/>
+          </a:p>
+          <a:p>
+            <a:endParaRPr lang="en-US" dirty="0"/>
+          </a:p>
+          <a:p>
+            <a:endParaRPr lang="en-US" dirty="0" smtClean="0"/>
+          </a:p>
+          <a:p>
+            <a:endParaRPr lang="en-US" dirty="0" smtClean="0"/>
+          </a:p>
+          <a:p>
+            <a:r>
+              <a:rPr lang="en-US" dirty="0" smtClean="0"/>
+              <a:t>Once defined, these are like constants: </a:t>
+            </a:r>
+            <a:r>
+              <a:rPr lang="en-US" sz="2400" b="1" dirty="0" err="1">
+                <a:solidFill>
+                  <a:srgbClr val="0070C0"/>
+                </a:solidFill>
+                <a:latin typeface="Courier New" panose="02070309020205020404" pitchFamily="49" charset="0"/>
+                <a:cs typeface="Courier New" panose="02070309020205020404" pitchFamily="49" charset="0"/>
+              </a:rPr>
+              <a:t>printf</a:t>
+            </a:r>
+            <a:r>
+              <a:rPr lang="en-US" sz="2400" b="1" dirty="0">
+                <a:solidFill>
+                  <a:srgbClr val="0070C0"/>
+                </a:solidFill>
+                <a:latin typeface="Courier New" panose="02070309020205020404" pitchFamily="49" charset="0"/>
+                <a:cs typeface="Courier New" panose="02070309020205020404" pitchFamily="49" charset="0"/>
+              </a:rPr>
+              <a:t>(“%d\</a:t>
+            </a:r>
+            <a:r>
+              <a:rPr lang="en-US" sz="2400" b="1" dirty="0" err="1">
+                <a:solidFill>
+                  <a:srgbClr val="0070C0"/>
+                </a:solidFill>
+                <a:latin typeface="Courier New" panose="02070309020205020404" pitchFamily="49" charset="0"/>
+                <a:cs typeface="Courier New" panose="02070309020205020404" pitchFamily="49" charset="0"/>
+              </a:rPr>
+              <a:t>n”,alpha</a:t>
+            </a:r>
+            <a:r>
+              <a:rPr lang="en-US" sz="2400" b="1" dirty="0">
+                <a:solidFill>
+                  <a:srgbClr val="0070C0"/>
+                </a:solidFill>
+                <a:latin typeface="Courier New" panose="02070309020205020404" pitchFamily="49" charset="0"/>
+                <a:cs typeface="Courier New" panose="02070309020205020404" pitchFamily="49" charset="0"/>
+              </a:rPr>
+              <a:t>);</a:t>
+            </a:r>
+            <a:r>
+              <a:rPr lang="en-US" dirty="0" smtClean="0"/>
+              <a:t> would print   1</a:t>
+            </a:r>
+          </a:p>
+          <a:p>
+            <a:r>
+              <a:rPr lang="en-US" dirty="0" smtClean="0"/>
+              <a:t> </a:t>
+            </a:r>
+            <a:r>
+              <a:rPr lang="en-US" sz="2400" b="1" dirty="0" smtClean="0">
+                <a:solidFill>
+                  <a:srgbClr val="0070C0"/>
+                </a:solidFill>
+              </a:rPr>
+              <a:t>a=2;  b=1 ; </a:t>
+            </a:r>
+            <a:r>
+              <a:rPr lang="en-US" sz="2400" b="1" dirty="0" err="1" smtClean="0">
+                <a:solidFill>
+                  <a:srgbClr val="0070C0"/>
+                </a:solidFill>
+              </a:rPr>
+              <a:t>printf</a:t>
+            </a:r>
+            <a:r>
+              <a:rPr lang="en-US" sz="2400" b="1" dirty="0" smtClean="0">
+                <a:solidFill>
+                  <a:srgbClr val="0070C0"/>
+                </a:solidFill>
+              </a:rPr>
+              <a:t>(“%d” , (a &gt; b == True ) );</a:t>
+            </a:r>
+            <a:r>
+              <a:rPr lang="en-US" dirty="0" smtClean="0"/>
+              <a:t>   would print   1  </a:t>
+            </a:r>
+            <a:br>
+              <a:rPr lang="en-US" dirty="0" smtClean="0"/>
+            </a:br>
+            <a:endParaRPr lang="en-US" dirty="0"/>
+          </a:p>
+        </p:txBody>
+      </p:sp>
+      <p:graphicFrame>
+        <p:nvGraphicFramePr>
+          <p:cNvPr id="6" name="Table 5"/>
+          <p:cNvGraphicFramePr>
+            <a:graphicFrameLocks noGrp="1"/>
+          </p:cNvGraphicFramePr>
+          <p:nvPr>
+            <p:extLst>
+              <p:ext uri="{D42A27DB-BD31-4B8C-83A1-F6EECF244321}">
+                <p14:modId xmlns:p14="http://schemas.microsoft.com/office/powerpoint/2010/main" val="2076237983"/>
+              </p:ext>
+            </p:extLst>
+          </p:nvPr>
+        </p:nvGraphicFramePr>
+        <p:xfrm>
+          <a:off x="1131667" y="3294053"/>
+          <a:ext cx="2821355" cy="1854200"/>
+        </p:xfrm>
+        <a:graphic>
+          <a:graphicData uri="http://schemas.openxmlformats.org/drawingml/2006/table">
+            <a:tbl>
+              <a:tblPr firstRow="1" bandRow="1">
+                <a:tableStyleId>{5C22544A-7EE6-4342-B048-85BDC9FD1C3A}</a:tableStyleId>
+              </a:tblPr>
+              <a:tblGrid>
+                <a:gridCol w="1527127">
+                  <a:extLst>
+                    <a:ext uri="{9D8B030D-6E8A-4147-A177-3AD203B41FA5}">
+                      <a16:colId xmlns:a16="http://schemas.microsoft.com/office/drawing/2014/main" val="3273211898"/>
+                    </a:ext>
+                  </a:extLst>
+                </a:gridCol>
+                <a:gridCol w="1294228">
+                  <a:extLst>
+                    <a:ext uri="{9D8B030D-6E8A-4147-A177-3AD203B41FA5}">
+                      <a16:colId xmlns:a16="http://schemas.microsoft.com/office/drawing/2014/main" val="2115093097"/>
+                    </a:ext>
+                  </a:extLst>
+                </a:gridCol>
+              </a:tblGrid>
+              <a:tr h="370840">
+                <a:tc>
+                  <a:txBody>
+                    <a:bodyPr/>
+                    <a:lstStyle/>
+                    <a:p>
+                      <a:r>
+                        <a:rPr lang="en-US" dirty="0" smtClean="0"/>
+                        <a:t>    NAME</a:t>
+                      </a:r>
+                      <a:endParaRPr lang="en-US" dirty="0"/>
+                    </a:p>
+                  </a:txBody>
+                  <a:tcPr/>
+                </a:tc>
+                <a:tc>
+                  <a:txBody>
+                    <a:bodyPr/>
+                    <a:lstStyle/>
+                    <a:p>
+                      <a:r>
+                        <a:rPr lang="en-US" dirty="0" smtClean="0"/>
+                        <a:t>   VALUE</a:t>
+                      </a:r>
+                      <a:endParaRPr lang="en-US" dirty="0"/>
+                    </a:p>
+                  </a:txBody>
+                  <a:tcPr/>
+                </a:tc>
+                <a:extLst>
+                  <a:ext uri="{0D108BD9-81ED-4DB2-BD59-A6C34878D82A}">
+                    <a16:rowId xmlns:a16="http://schemas.microsoft.com/office/drawing/2014/main" val="2039776964"/>
+                  </a:ext>
+                </a:extLst>
+              </a:tr>
+              <a:tr h="370840">
+                <a:tc>
+                  <a:txBody>
+                    <a:bodyPr/>
+                    <a:lstStyle/>
+                    <a:p>
+                      <a:r>
+                        <a:rPr lang="en-US" dirty="0" smtClean="0"/>
+                        <a:t>alpha</a:t>
+                      </a:r>
+                      <a:endParaRPr lang="en-US" dirty="0"/>
+                    </a:p>
+                  </a:txBody>
+                  <a:tcPr/>
+                </a:tc>
+                <a:tc>
+                  <a:txBody>
+                    <a:bodyPr/>
+                    <a:lstStyle/>
+                    <a:p>
+                      <a:r>
+                        <a:rPr lang="en-US" dirty="0" smtClean="0"/>
+                        <a:t>1</a:t>
+                      </a:r>
+                      <a:endParaRPr lang="en-US" dirty="0"/>
+                    </a:p>
+                  </a:txBody>
+                  <a:tcPr/>
+                </a:tc>
+                <a:extLst>
+                  <a:ext uri="{0D108BD9-81ED-4DB2-BD59-A6C34878D82A}">
+                    <a16:rowId xmlns:a16="http://schemas.microsoft.com/office/drawing/2014/main" val="962619773"/>
+                  </a:ext>
+                </a:extLst>
+              </a:tr>
+              <a:tr h="370840">
+                <a:tc>
+                  <a:txBody>
+                    <a:bodyPr/>
+                    <a:lstStyle/>
+                    <a:p>
+                      <a:r>
+                        <a:rPr lang="en-US" dirty="0" smtClean="0"/>
+                        <a:t>beta</a:t>
+                      </a:r>
+                      <a:endParaRPr lang="en-US" dirty="0"/>
+                    </a:p>
+                  </a:txBody>
+                  <a:tcPr/>
+                </a:tc>
+                <a:tc>
+                  <a:txBody>
+                    <a:bodyPr/>
+                    <a:lstStyle/>
+                    <a:p>
+                      <a:r>
+                        <a:rPr lang="en-US" dirty="0" smtClean="0"/>
+                        <a:t>2</a:t>
+                      </a:r>
+                      <a:endParaRPr lang="en-US" dirty="0"/>
+                    </a:p>
+                  </a:txBody>
+                  <a:tcPr/>
+                </a:tc>
+                <a:extLst>
+                  <a:ext uri="{0D108BD9-81ED-4DB2-BD59-A6C34878D82A}">
+                    <a16:rowId xmlns:a16="http://schemas.microsoft.com/office/drawing/2014/main" val="1964205015"/>
+                  </a:ext>
+                </a:extLst>
+              </a:tr>
+              <a:tr h="370840">
+                <a:tc>
+                  <a:txBody>
+                    <a:bodyPr/>
+                    <a:lstStyle/>
+                    <a:p>
+                      <a:r>
+                        <a:rPr lang="en-US" dirty="0" smtClean="0"/>
+                        <a:t>gamma</a:t>
+                      </a:r>
+                      <a:endParaRPr lang="en-US" dirty="0"/>
+                    </a:p>
+                  </a:txBody>
+                  <a:tcPr/>
+                </a:tc>
+                <a:tc>
+                  <a:txBody>
+                    <a:bodyPr/>
+                    <a:lstStyle/>
+                    <a:p>
+                      <a:r>
+                        <a:rPr lang="en-US" dirty="0" smtClean="0"/>
+                        <a:t>3</a:t>
+                      </a:r>
+                      <a:endParaRPr lang="en-US" dirty="0"/>
+                    </a:p>
+                  </a:txBody>
+                  <a:tcPr/>
+                </a:tc>
+                <a:extLst>
+                  <a:ext uri="{0D108BD9-81ED-4DB2-BD59-A6C34878D82A}">
+                    <a16:rowId xmlns:a16="http://schemas.microsoft.com/office/drawing/2014/main" val="777283795"/>
+                  </a:ext>
+                </a:extLst>
+              </a:tr>
+              <a:tr h="370840">
+                <a:tc>
+                  <a:txBody>
+                    <a:bodyPr/>
+                    <a:lstStyle/>
+                    <a:p>
+                      <a:r>
+                        <a:rPr lang="en-US" dirty="0" smtClean="0"/>
+                        <a:t>X</a:t>
+                      </a:r>
+                      <a:endParaRPr lang="en-US" dirty="0"/>
+                    </a:p>
+                  </a:txBody>
+                  <a:tcPr/>
+                </a:tc>
+                <a:tc>
+                  <a:txBody>
+                    <a:bodyPr/>
+                    <a:lstStyle/>
+                    <a:p>
+                      <a:r>
+                        <a:rPr lang="en-US" dirty="0" smtClean="0"/>
+                        <a:t>4</a:t>
+                      </a:r>
+                      <a:endParaRPr lang="en-US" dirty="0"/>
+                    </a:p>
+                  </a:txBody>
+                  <a:tcPr/>
+                </a:tc>
+                <a:extLst>
+                  <a:ext uri="{0D108BD9-81ED-4DB2-BD59-A6C34878D82A}">
+                    <a16:rowId xmlns:a16="http://schemas.microsoft.com/office/drawing/2014/main" val="2139664274"/>
+                  </a:ext>
+                </a:extLst>
+              </a:tr>
+            </a:tbl>
+          </a:graphicData>
+        </a:graphic>
+      </p:graphicFrame>
+      <p:graphicFrame>
+        <p:nvGraphicFramePr>
+          <p:cNvPr id="8" name="Table 7"/>
+          <p:cNvGraphicFramePr>
+            <a:graphicFrameLocks noGrp="1"/>
+          </p:cNvGraphicFramePr>
+          <p:nvPr>
+            <p:extLst>
+              <p:ext uri="{D42A27DB-BD31-4B8C-83A1-F6EECF244321}">
+                <p14:modId xmlns:p14="http://schemas.microsoft.com/office/powerpoint/2010/main" val="87754980"/>
+              </p:ext>
+            </p:extLst>
+          </p:nvPr>
+        </p:nvGraphicFramePr>
+        <p:xfrm>
+          <a:off x="6350782" y="3335995"/>
+          <a:ext cx="1794412" cy="1770315"/>
+        </p:xfrm>
+        <a:graphic>
+          <a:graphicData uri="http://schemas.openxmlformats.org/drawingml/2006/table">
+            <a:tbl>
+              <a:tblPr firstRow="1" bandRow="1">
+                <a:tableStyleId>{5C22544A-7EE6-4342-B048-85BDC9FD1C3A}</a:tableStyleId>
+              </a:tblPr>
+              <a:tblGrid>
+                <a:gridCol w="897206">
+                  <a:extLst>
+                    <a:ext uri="{9D8B030D-6E8A-4147-A177-3AD203B41FA5}">
+                      <a16:colId xmlns:a16="http://schemas.microsoft.com/office/drawing/2014/main" val="826800102"/>
+                    </a:ext>
+                  </a:extLst>
+                </a:gridCol>
+                <a:gridCol w="897206">
+                  <a:extLst>
+                    <a:ext uri="{9D8B030D-6E8A-4147-A177-3AD203B41FA5}">
+                      <a16:colId xmlns:a16="http://schemas.microsoft.com/office/drawing/2014/main" val="1895910662"/>
+                    </a:ext>
+                  </a:extLst>
+                </a:gridCol>
+              </a:tblGrid>
+              <a:tr h="590105">
+                <a:tc>
+                  <a:txBody>
+                    <a:bodyPr/>
+                    <a:lstStyle/>
+                    <a:p>
+                      <a:r>
+                        <a:rPr lang="en-US" dirty="0" smtClean="0"/>
+                        <a:t>NAME</a:t>
+                      </a:r>
+                      <a:endParaRPr lang="en-US" dirty="0"/>
+                    </a:p>
+                  </a:txBody>
+                  <a:tcPr/>
+                </a:tc>
+                <a:tc>
+                  <a:txBody>
+                    <a:bodyPr/>
+                    <a:lstStyle/>
+                    <a:p>
+                      <a:r>
+                        <a:rPr lang="en-US" dirty="0" smtClean="0"/>
+                        <a:t>VALUE</a:t>
+                      </a:r>
+                      <a:endParaRPr lang="en-US" dirty="0"/>
+                    </a:p>
+                  </a:txBody>
+                  <a:tcPr/>
+                </a:tc>
+                <a:extLst>
+                  <a:ext uri="{0D108BD9-81ED-4DB2-BD59-A6C34878D82A}">
+                    <a16:rowId xmlns:a16="http://schemas.microsoft.com/office/drawing/2014/main" val="762123563"/>
+                  </a:ext>
+                </a:extLst>
+              </a:tr>
+              <a:tr h="590105">
+                <a:tc>
+                  <a:txBody>
+                    <a:bodyPr/>
+                    <a:lstStyle/>
+                    <a:p>
+                      <a:r>
+                        <a:rPr lang="en-US" dirty="0" smtClean="0"/>
+                        <a:t>False</a:t>
+                      </a:r>
+                      <a:endParaRPr lang="en-US" dirty="0"/>
+                    </a:p>
+                  </a:txBody>
+                  <a:tcPr/>
+                </a:tc>
+                <a:tc>
+                  <a:txBody>
+                    <a:bodyPr/>
+                    <a:lstStyle/>
+                    <a:p>
+                      <a:r>
+                        <a:rPr lang="en-US" dirty="0" smtClean="0"/>
+                        <a:t>0</a:t>
+                      </a:r>
+                      <a:endParaRPr lang="en-US" dirty="0"/>
+                    </a:p>
+                  </a:txBody>
+                  <a:tcPr/>
+                </a:tc>
+                <a:extLst>
+                  <a:ext uri="{0D108BD9-81ED-4DB2-BD59-A6C34878D82A}">
+                    <a16:rowId xmlns:a16="http://schemas.microsoft.com/office/drawing/2014/main" val="3879988100"/>
+                  </a:ext>
+                </a:extLst>
+              </a:tr>
+              <a:tr h="590105">
+                <a:tc>
+                  <a:txBody>
+                    <a:bodyPr/>
+                    <a:lstStyle/>
+                    <a:p>
+                      <a:r>
+                        <a:rPr lang="en-US" dirty="0" smtClean="0"/>
+                        <a:t>True</a:t>
+                      </a:r>
+                      <a:endParaRPr lang="en-US" dirty="0"/>
+                    </a:p>
+                  </a:txBody>
+                  <a:tcPr/>
+                </a:tc>
+                <a:tc>
+                  <a:txBody>
+                    <a:bodyPr/>
+                    <a:lstStyle/>
+                    <a:p>
+                      <a:r>
+                        <a:rPr lang="en-US" dirty="0" smtClean="0"/>
+                        <a:t>1</a:t>
+                      </a:r>
+                      <a:endParaRPr lang="en-US" dirty="0"/>
+                    </a:p>
+                  </a:txBody>
+                  <a:tcPr/>
+                </a:tc>
+                <a:extLst>
+                  <a:ext uri="{0D108BD9-81ED-4DB2-BD59-A6C34878D82A}">
+                    <a16:rowId xmlns:a16="http://schemas.microsoft.com/office/drawing/2014/main" val="1310716811"/>
+                  </a:ext>
+                </a:extLst>
+              </a:tr>
+            </a:tbl>
+          </a:graphicData>
+        </a:graphic>
+      </p:graphicFrame>
+      <p:grpSp>
+        <p:nvGrpSpPr>
+          <p:cNvPr id="11" name="Group 10"/>
+          <p:cNvGrpSpPr/>
+          <p:nvPr/>
+        </p:nvGrpSpPr>
+        <p:grpSpPr>
+          <a:xfrm>
+            <a:off x="9031849" y="3869400"/>
+            <a:ext cx="2615418" cy="646331"/>
+            <a:chOff x="10283483" y="2842458"/>
+            <a:chExt cx="2615418" cy="646331"/>
+          </a:xfrm>
+        </p:grpSpPr>
+        <p:sp>
+          <p:nvSpPr>
+            <p:cNvPr id="9" name="Isosceles Triangle 8"/>
+            <p:cNvSpPr/>
+            <p:nvPr/>
+          </p:nvSpPr>
+          <p:spPr>
+            <a:xfrm>
+              <a:off x="10283483" y="2940149"/>
+              <a:ext cx="773723" cy="548640"/>
+            </a:xfrm>
+            <a:prstGeom prst="triangle">
+              <a:avLst/>
+            </a:prstGeom>
+            <a:solidFill>
+              <a:srgbClr val="FFFF00"/>
+            </a:solidFill>
+            <a:ln w="57150">
+              <a:solidFill>
+                <a:srgbClr val="FF0000"/>
+              </a:solidFill>
+            </a:ln>
+          </p:spPr>
+          <p:style>
+            <a:lnRef idx="2">
+              <a:schemeClr val="accent1">
+                <a:shade val="50000"/>
+              </a:schemeClr>
+            </a:lnRef>
+            <a:fillRef idx="1">
+              <a:schemeClr val="accent1"/>
+            </a:fillRef>
+            <a:effectRef idx="0">
+              <a:schemeClr val="accent1"/>
+            </a:effectRef>
+            <a:fontRef idx="minor">
+              <a:schemeClr val="lt1"/>
+            </a:fontRef>
+          </p:style>
+          <p:txBody>
+            <a:bodyPr rtlCol="0" anchor="ctr"/>
+            <a:lstStyle/>
+            <a:p>
+              <a:pPr algn="ctr"/>
+              <a:r>
+                <a:rPr lang="en-US" sz="4800" b="1" dirty="0" smtClean="0">
+                  <a:solidFill>
+                    <a:schemeClr val="accent2"/>
+                  </a:solidFill>
+                </a:rPr>
+                <a:t>!</a:t>
+              </a:r>
+              <a:endParaRPr lang="en-US" sz="4800" b="1" dirty="0">
+                <a:solidFill>
+                  <a:schemeClr val="accent2"/>
+                </a:solidFill>
+              </a:endParaRPr>
+            </a:p>
+          </p:txBody>
+        </p:sp>
+        <p:sp>
+          <p:nvSpPr>
+            <p:cNvPr id="10" name="TextBox 9"/>
+            <p:cNvSpPr txBox="1"/>
+            <p:nvPr/>
+          </p:nvSpPr>
+          <p:spPr>
+            <a:xfrm>
+              <a:off x="11057206" y="2842458"/>
+              <a:ext cx="1841695" cy="646331"/>
+            </a:xfrm>
+            <a:prstGeom prst="rect">
+              <a:avLst/>
+            </a:prstGeom>
+            <a:noFill/>
+          </p:spPr>
+          <p:txBody>
+            <a:bodyPr wrap="square" rtlCol="0">
+              <a:spAutoFit/>
+            </a:bodyPr>
+            <a:lstStyle/>
+            <a:p>
+              <a:r>
+                <a:rPr lang="en-US" dirty="0" smtClean="0"/>
+                <a:t>Only works for lists of integers</a:t>
+              </a:r>
+              <a:endParaRPr lang="en-US" dirty="0"/>
+            </a:p>
+          </p:txBody>
+        </p:sp>
+      </p:grpSp>
+      <p:sp>
+        <p:nvSpPr>
+          <p:cNvPr id="12" name="Rounded Rectangle 11"/>
+          <p:cNvSpPr/>
+          <p:nvPr/>
+        </p:nvSpPr>
+        <p:spPr>
+          <a:xfrm>
+            <a:off x="8588" y="7988"/>
+            <a:ext cx="1871785" cy="593408"/>
+          </a:xfrm>
+          <a:prstGeom prst="roundRect">
+            <a:avLst/>
+          </a:prstGeom>
+          <a:solidFill>
+            <a:schemeClr val="accent1">
+              <a:lumMod val="40000"/>
+              <a:lumOff val="60000"/>
+            </a:schemeClr>
+          </a:solidFill>
+        </p:spPr>
+        <p:style>
+          <a:lnRef idx="2">
+            <a:schemeClr val="accent1">
+              <a:shade val="50000"/>
+            </a:schemeClr>
+          </a:lnRef>
+          <a:fillRef idx="1">
+            <a:schemeClr val="accent1"/>
+          </a:fillRef>
+          <a:effectRef idx="0">
+            <a:schemeClr val="accent1"/>
+          </a:effectRef>
+          <a:fontRef idx="minor">
+            <a:schemeClr val="lt1"/>
+          </a:fontRef>
+        </p:style>
+        <p:txBody>
+          <a:bodyPr rtlCol="0" anchor="ctr"/>
+          <a:lstStyle/>
+          <a:p>
+            <a:pPr algn="ctr"/>
+            <a:r>
+              <a:rPr lang="en-US" sz="2800" dirty="0" err="1" smtClean="0">
+                <a:solidFill>
+                  <a:schemeClr val="tx1"/>
+                </a:solidFill>
+              </a:rPr>
+              <a:t>enum</a:t>
+            </a:r>
+            <a:endParaRPr lang="en-US" sz="2800" dirty="0">
+              <a:solidFill>
+                <a:schemeClr val="tx1"/>
+              </a:solidFill>
+            </a:endParaRPr>
           </a:p>
         </p:txBody>
       </p:sp>
     </p:spTree>
     <p:extLst>
       <p:ext uri="{BB962C8B-B14F-4D97-AF65-F5344CB8AC3E}">
-        <p14:creationId xmlns:p14="http://schemas.microsoft.com/office/powerpoint/2010/main" val="357720172"/>
+        <p14:creationId xmlns:p14="http://schemas.microsoft.com/office/powerpoint/2010/main" val="391354528"/>
       </p:ext>
     </p:extLst>
   </p:cSld>
@@ -3325,7 +4312,75 @@
   <p:timing>
     <p:tnLst>
       <p:par>
-        <p:cTn id="1" dur="indefinite" restart="never" nodeType="tmRoot"/>
+        <p:cTn id="1" dur="indefinite" restart="never" nodeType="tmRoot">
+          <p:childTnLst>
+            <p:seq concurrent="1" nextAc="seek">
+              <p:cTn id="2" dur="indefinite" nodeType="mainSeq">
+                <p:childTnLst>
+                  <p:par>
+                    <p:cTn id="3" fill="hold">
+                      <p:stCondLst>
+                        <p:cond delay="indefinite"/>
+                      </p:stCondLst>
+                      <p:childTnLst>
+                        <p:par>
+                          <p:cTn id="4" fill="hold">
+                            <p:stCondLst>
+                              <p:cond delay="0"/>
+                            </p:stCondLst>
+                            <p:childTnLst>
+                              <p:par>
+                                <p:cTn id="5" presetID="1" presetClass="entr" presetSubtype="0" fill="hold" nodeType="clickEffect">
+                                  <p:stCondLst>
+                                    <p:cond delay="0"/>
+                                  </p:stCondLst>
+                                  <p:childTnLst>
+                                    <p:set>
+                                      <p:cBhvr>
+                                        <p:cTn id="6" dur="1" fill="hold">
+                                          <p:stCondLst>
+                                            <p:cond delay="0"/>
+                                          </p:stCondLst>
+                                        </p:cTn>
+                                        <p:tgtEl>
+                                          <p:spTgt spid="11"/>
+                                        </p:tgtEl>
+                                        <p:attrNameLst>
+                                          <p:attrName>style.visibility</p:attrName>
+                                        </p:attrNameLst>
+                                      </p:cBhvr>
+                                      <p:to>
+                                        <p:strVal val="visible"/>
+                                      </p:to>
+                                    </p:set>
+                                  </p:childTnLst>
+                                </p:cTn>
+                              </p:par>
+                            </p:childTnLst>
+                          </p:cTn>
+                        </p:par>
+                      </p:childTnLst>
+                    </p:cTn>
+                  </p:par>
+                </p:childTnLst>
+              </p:cTn>
+              <p:prevCondLst>
+                <p:cond evt="onPrev" delay="0">
+                  <p:tgtEl>
+                    <p:sldTgt/>
+                  </p:tgtEl>
+                </p:cond>
+              </p:prevCondLst>
+              <p:nextCondLst>
+                <p:cond evt="onNext" delay="0">
+                  <p:tgtEl>
+                    <p:sldTgt/>
+                  </p:tgtEl>
+                </p:cond>
+              </p:nextCondLst>
+            </p:seq>
+          </p:childTnLst>
+        </p:cTn>
       </p:par>
     </p:tnLst>
   </p:timing>
@@ -3365,33 +4420,12 @@
           <a:lstStyle/>
           <a:p>
             <a:r>
+              <a:rPr lang="en-US" dirty="0"/>
+              <a:t>E</a:t>
+            </a:r>
+            <a:r>
               <a:rPr lang="en-US" dirty="0" smtClean="0"/>
-              <a:t>A simple</a:t>
-            </a:r>
-            <a:r>
-              <a:rPr lang="en-US" sz="4000" dirty="0" smtClean="0">
-                <a:latin typeface="Courier New" panose="02070309020205020404" pitchFamily="49" charset="0"/>
-                <a:cs typeface="Courier New" panose="02070309020205020404" pitchFamily="49" charset="0"/>
-              </a:rPr>
-              <a:t> </a:t>
-            </a:r>
-            <a:r>
-              <a:rPr lang="en-US" sz="4000" dirty="0" err="1" smtClean="0">
-                <a:latin typeface="Courier New" panose="02070309020205020404" pitchFamily="49" charset="0"/>
-                <a:cs typeface="Courier New" panose="02070309020205020404" pitchFamily="49" charset="0"/>
-              </a:rPr>
-              <a:t>enum</a:t>
-            </a:r>
-            <a:r>
-              <a:rPr lang="en-US" sz="4000" dirty="0" smtClean="0">
-                <a:latin typeface="Courier New" panose="02070309020205020404" pitchFamily="49" charset="0"/>
-                <a:cs typeface="Courier New" panose="02070309020205020404" pitchFamily="49" charset="0"/>
-              </a:rPr>
-              <a:t> </a:t>
-            </a:r>
-            <a:r>
-              <a:rPr lang="en-US" dirty="0" smtClean="0"/>
-              <a:t>use case</a:t>
+              <a:t>numerated type – a special kind of constant.</a:t>
             </a:r>
             <a:endParaRPr lang="en-US" dirty="0"/>
           </a:p>
@@ -3410,411 +4444,347 @@
         <p:spPr/>
         <p:txBody>
           <a:bodyPr>
-            <a:normAutofit fontScale="92500" lnSpcReduction="20000"/>
+            <a:normAutofit/>
           </a:bodyPr>
           <a:lstStyle/>
           <a:p>
-            <a:pPr marL="0" indent="0">
-              <a:buNone/>
-            </a:pPr>
-            <a:r>
-              <a:rPr lang="en-US" sz="2000" b="1" dirty="0" err="1">
-                <a:latin typeface="Courier New" panose="02070309020205020404" pitchFamily="49" charset="0"/>
-                <a:cs typeface="Courier New" panose="02070309020205020404" pitchFamily="49" charset="0"/>
-              </a:rPr>
-              <a:t>e</a:t>
-            </a:r>
-            <a:r>
-              <a:rPr lang="en-US" sz="2000" b="1" dirty="0" err="1" smtClean="0">
-                <a:latin typeface="Courier New" panose="02070309020205020404" pitchFamily="49" charset="0"/>
-                <a:cs typeface="Courier New" panose="02070309020205020404" pitchFamily="49" charset="0"/>
-              </a:rPr>
-              <a:t>num</a:t>
-            </a:r>
-            <a:r>
-              <a:rPr lang="en-US" sz="2000" b="1" dirty="0" smtClean="0">
+            <a:r>
+              <a:rPr lang="en-US" dirty="0" smtClean="0"/>
+              <a:t>Defining an   </a:t>
+            </a:r>
+            <a:r>
+              <a:rPr lang="en-US" dirty="0" smtClean="0">
                 <a:latin typeface="Courier New" panose="02070309020205020404" pitchFamily="49" charset="0"/>
                 <a:cs typeface="Courier New" panose="02070309020205020404" pitchFamily="49" charset="0"/>
               </a:rPr>
               <a:t> </a:t>
             </a:r>
             <a:r>
-              <a:rPr lang="en-US" sz="2000" b="1" dirty="0" err="1" smtClean="0">
-                <a:latin typeface="Courier New" panose="02070309020205020404" pitchFamily="49" charset="0"/>
-                <a:cs typeface="Courier New" panose="02070309020205020404" pitchFamily="49" charset="0"/>
-              </a:rPr>
-              <a:t>boolean</a:t>
-            </a:r>
-            <a:r>
-              <a:rPr lang="en-US" sz="2000" b="1" dirty="0" smtClean="0">
-                <a:latin typeface="Courier New" panose="02070309020205020404" pitchFamily="49" charset="0"/>
-                <a:cs typeface="Courier New" panose="02070309020205020404" pitchFamily="49" charset="0"/>
-              </a:rPr>
-              <a:t> { false, true};</a:t>
-            </a:r>
-          </a:p>
-          <a:p>
-            <a:pPr marL="0" indent="0">
-              <a:buNone/>
-            </a:pPr>
-            <a:r>
-              <a:rPr lang="en-US" sz="2000" dirty="0">
-                <a:latin typeface="Courier New" panose="02070309020205020404" pitchFamily="49" charset="0"/>
-                <a:cs typeface="Courier New" panose="02070309020205020404" pitchFamily="49" charset="0"/>
-              </a:rPr>
-              <a:t>v</a:t>
-            </a:r>
-            <a:r>
-              <a:rPr lang="en-US" sz="2000" dirty="0" smtClean="0">
-                <a:latin typeface="Courier New" panose="02070309020205020404" pitchFamily="49" charset="0"/>
-                <a:cs typeface="Courier New" panose="02070309020205020404" pitchFamily="49" charset="0"/>
-              </a:rPr>
-              <a:t>oid main(){</a:t>
-            </a:r>
-            <a:br>
-              <a:rPr lang="en-US" sz="2000" dirty="0" smtClean="0">
-                <a:latin typeface="Courier New" panose="02070309020205020404" pitchFamily="49" charset="0"/>
-                <a:cs typeface="Courier New" panose="02070309020205020404" pitchFamily="49" charset="0"/>
-              </a:rPr>
-            </a:br>
-            <a:r>
-              <a:rPr lang="en-US" sz="2000" dirty="0" smtClean="0">
-                <a:latin typeface="Courier New" panose="02070309020205020404" pitchFamily="49" charset="0"/>
-                <a:cs typeface="Courier New" panose="02070309020205020404" pitchFamily="49" charset="0"/>
-              </a:rPr>
-              <a:t>   </a:t>
-            </a:r>
-            <a:r>
-              <a:rPr lang="en-US" sz="2000" dirty="0" err="1" smtClean="0">
-                <a:latin typeface="Courier New" panose="02070309020205020404" pitchFamily="49" charset="0"/>
-                <a:cs typeface="Courier New" panose="02070309020205020404" pitchFamily="49" charset="0"/>
-              </a:rPr>
-              <a:t>int</a:t>
-            </a:r>
-            <a:r>
-              <a:rPr lang="en-US" sz="2000" dirty="0" smtClean="0">
-                <a:latin typeface="Courier New" panose="02070309020205020404" pitchFamily="49" charset="0"/>
-                <a:cs typeface="Courier New" panose="02070309020205020404" pitchFamily="49" charset="0"/>
-              </a:rPr>
-              <a:t> a, </a:t>
-            </a:r>
-            <a:r>
-              <a:rPr lang="en-US" sz="2000" dirty="0" err="1" smtClean="0">
-                <a:latin typeface="Courier New" panose="02070309020205020404" pitchFamily="49" charset="0"/>
-                <a:cs typeface="Courier New" panose="02070309020205020404" pitchFamily="49" charset="0"/>
-              </a:rPr>
-              <a:t>int</a:t>
-            </a:r>
-            <a:r>
-              <a:rPr lang="en-US" sz="2000" dirty="0" smtClean="0">
-                <a:latin typeface="Courier New" panose="02070309020205020404" pitchFamily="49" charset="0"/>
-                <a:cs typeface="Courier New" panose="02070309020205020404" pitchFamily="49" charset="0"/>
-              </a:rPr>
-              <a:t> b;</a:t>
-            </a:r>
-          </a:p>
-          <a:p>
-            <a:pPr marL="0" indent="0">
-              <a:buNone/>
-            </a:pPr>
-            <a:r>
-              <a:rPr lang="en-US" sz="2000" dirty="0">
-                <a:latin typeface="Courier New" panose="02070309020205020404" pitchFamily="49" charset="0"/>
-                <a:cs typeface="Courier New" panose="02070309020205020404" pitchFamily="49" charset="0"/>
-              </a:rPr>
-              <a:t> </a:t>
-            </a:r>
-            <a:r>
-              <a:rPr lang="en-US" sz="2000" dirty="0" smtClean="0">
-                <a:latin typeface="Courier New" panose="02070309020205020404" pitchFamily="49" charset="0"/>
-                <a:cs typeface="Courier New" panose="02070309020205020404" pitchFamily="49" charset="0"/>
-              </a:rPr>
-              <a:t>  </a:t>
-            </a:r>
-            <a:r>
-              <a:rPr lang="en-US" sz="2000" b="1" dirty="0" err="1" smtClean="0">
+              <a:rPr lang="en-US" b="1" dirty="0" err="1" smtClean="0">
+                <a:solidFill>
+                  <a:schemeClr val="accent1"/>
+                </a:solidFill>
                 <a:latin typeface="Courier New" panose="02070309020205020404" pitchFamily="49" charset="0"/>
                 <a:cs typeface="Courier New" panose="02070309020205020404" pitchFamily="49" charset="0"/>
               </a:rPr>
               <a:t>enum</a:t>
             </a:r>
             <a:r>
-              <a:rPr lang="en-US" sz="2000" b="1" dirty="0" smtClean="0">
-                <a:latin typeface="Courier New" panose="02070309020205020404" pitchFamily="49" charset="0"/>
-                <a:cs typeface="Courier New" panose="02070309020205020404" pitchFamily="49" charset="0"/>
-              </a:rPr>
-              <a:t> </a:t>
-            </a:r>
-            <a:r>
-              <a:rPr lang="en-US" sz="2000" b="1" dirty="0" err="1" smtClean="0">
-                <a:latin typeface="Courier New" panose="02070309020205020404" pitchFamily="49" charset="0"/>
-                <a:cs typeface="Courier New" panose="02070309020205020404" pitchFamily="49" charset="0"/>
-              </a:rPr>
-              <a:t>boolean</a:t>
-            </a:r>
-            <a:r>
-              <a:rPr lang="en-US" sz="2000" b="1" dirty="0" smtClean="0">
-                <a:latin typeface="Courier New" panose="02070309020205020404" pitchFamily="49" charset="0"/>
-                <a:cs typeface="Courier New" panose="02070309020205020404" pitchFamily="49" charset="0"/>
-              </a:rPr>
-              <a:t> status;</a:t>
-            </a:r>
-          </a:p>
-          <a:p>
-            <a:pPr marL="0" indent="0">
-              <a:buNone/>
-            </a:pPr>
-            <a:r>
-              <a:rPr lang="en-US" sz="2000" dirty="0">
-                <a:latin typeface="Courier New" panose="02070309020205020404" pitchFamily="49" charset="0"/>
-                <a:cs typeface="Courier New" panose="02070309020205020404" pitchFamily="49" charset="0"/>
-              </a:rPr>
-              <a:t> </a:t>
-            </a:r>
-            <a:r>
-              <a:rPr lang="en-US" sz="2000" dirty="0" smtClean="0">
-                <a:latin typeface="Courier New" panose="02070309020205020404" pitchFamily="49" charset="0"/>
-                <a:cs typeface="Courier New" panose="02070309020205020404" pitchFamily="49" charset="0"/>
-              </a:rPr>
-              <a:t>  </a:t>
-            </a:r>
-            <a:r>
-              <a:rPr lang="en-US" sz="2000" dirty="0" err="1" smtClean="0">
-                <a:latin typeface="Courier New" panose="02070309020205020404" pitchFamily="49" charset="0"/>
-                <a:cs typeface="Courier New" panose="02070309020205020404" pitchFamily="49" charset="0"/>
-              </a:rPr>
-              <a:t>scanf</a:t>
-            </a:r>
-            <a:r>
-              <a:rPr lang="en-US" sz="2000" dirty="0" smtClean="0">
-                <a:latin typeface="Courier New" panose="02070309020205020404" pitchFamily="49" charset="0"/>
-                <a:cs typeface="Courier New" panose="02070309020205020404" pitchFamily="49" charset="0"/>
-              </a:rPr>
-              <a:t>(“%</a:t>
-            </a:r>
-            <a:r>
-              <a:rPr lang="en-US" sz="2000" dirty="0" err="1" smtClean="0">
-                <a:latin typeface="Courier New" panose="02070309020205020404" pitchFamily="49" charset="0"/>
-                <a:cs typeface="Courier New" panose="02070309020205020404" pitchFamily="49" charset="0"/>
-              </a:rPr>
-              <a:t>d%d</a:t>
-            </a:r>
-            <a:r>
-              <a:rPr lang="en-US" sz="2000" dirty="0" smtClean="0">
-                <a:latin typeface="Courier New" panose="02070309020205020404" pitchFamily="49" charset="0"/>
-                <a:cs typeface="Courier New" panose="02070309020205020404" pitchFamily="49" charset="0"/>
-              </a:rPr>
-              <a:t>”,&amp;</a:t>
-            </a:r>
-            <a:r>
-              <a:rPr lang="en-US" sz="2000" dirty="0" err="1" smtClean="0">
-                <a:latin typeface="Courier New" panose="02070309020205020404" pitchFamily="49" charset="0"/>
-                <a:cs typeface="Courier New" panose="02070309020205020404" pitchFamily="49" charset="0"/>
-              </a:rPr>
-              <a:t>a,&amp;b</a:t>
-            </a:r>
-            <a:r>
-              <a:rPr lang="en-US" sz="2000" dirty="0" smtClean="0">
-                <a:latin typeface="Courier New" panose="02070309020205020404" pitchFamily="49" charset="0"/>
-                <a:cs typeface="Courier New" panose="02070309020205020404" pitchFamily="49" charset="0"/>
-              </a:rPr>
-              <a:t>);</a:t>
-            </a:r>
-          </a:p>
-          <a:p>
-            <a:pPr marL="0" indent="0">
-              <a:buNone/>
-            </a:pPr>
-            <a:r>
-              <a:rPr lang="en-US" sz="2000" dirty="0">
-                <a:latin typeface="Courier New" panose="02070309020205020404" pitchFamily="49" charset="0"/>
-                <a:cs typeface="Courier New" panose="02070309020205020404" pitchFamily="49" charset="0"/>
-              </a:rPr>
-              <a:t> </a:t>
-            </a:r>
-            <a:r>
-              <a:rPr lang="en-US" sz="2000" dirty="0" smtClean="0">
-                <a:latin typeface="Courier New" panose="02070309020205020404" pitchFamily="49" charset="0"/>
-                <a:cs typeface="Courier New" panose="02070309020205020404" pitchFamily="49" charset="0"/>
-              </a:rPr>
-              <a:t>  if (a &gt; b)</a:t>
-            </a:r>
-          </a:p>
-          <a:p>
-            <a:pPr marL="0" indent="0">
-              <a:buNone/>
-            </a:pPr>
-            <a:r>
-              <a:rPr lang="en-US" sz="2000" dirty="0">
-                <a:latin typeface="Courier New" panose="02070309020205020404" pitchFamily="49" charset="0"/>
-                <a:cs typeface="Courier New" panose="02070309020205020404" pitchFamily="49" charset="0"/>
-              </a:rPr>
-              <a:t> </a:t>
-            </a:r>
-            <a:r>
-              <a:rPr lang="en-US" sz="2000" dirty="0" smtClean="0">
-                <a:latin typeface="Courier New" panose="02070309020205020404" pitchFamily="49" charset="0"/>
-                <a:cs typeface="Courier New" panose="02070309020205020404" pitchFamily="49" charset="0"/>
-              </a:rPr>
-              <a:t>     </a:t>
-            </a:r>
-            <a:r>
-              <a:rPr lang="en-US" sz="2000" b="1" dirty="0" smtClean="0">
-                <a:latin typeface="Courier New" panose="02070309020205020404" pitchFamily="49" charset="0"/>
-                <a:cs typeface="Courier New" panose="02070309020205020404" pitchFamily="49" charset="0"/>
-              </a:rPr>
-              <a:t>status=true;</a:t>
-            </a:r>
-          </a:p>
-          <a:p>
-            <a:pPr marL="0" indent="0">
-              <a:buNone/>
-            </a:pPr>
-            <a:r>
-              <a:rPr lang="en-US" sz="2000" dirty="0">
-                <a:latin typeface="Courier New" panose="02070309020205020404" pitchFamily="49" charset="0"/>
-                <a:cs typeface="Courier New" panose="02070309020205020404" pitchFamily="49" charset="0"/>
-              </a:rPr>
-              <a:t> </a:t>
-            </a:r>
-            <a:r>
-              <a:rPr lang="en-US" sz="2000" dirty="0" smtClean="0">
-                <a:latin typeface="Courier New" panose="02070309020205020404" pitchFamily="49" charset="0"/>
-                <a:cs typeface="Courier New" panose="02070309020205020404" pitchFamily="49" charset="0"/>
-              </a:rPr>
-              <a:t>  else</a:t>
-            </a:r>
-          </a:p>
-          <a:p>
-            <a:pPr marL="0" indent="0">
-              <a:buNone/>
-            </a:pPr>
-            <a:r>
-              <a:rPr lang="en-US" sz="2000" dirty="0">
-                <a:latin typeface="Courier New" panose="02070309020205020404" pitchFamily="49" charset="0"/>
-                <a:cs typeface="Courier New" panose="02070309020205020404" pitchFamily="49" charset="0"/>
-              </a:rPr>
-              <a:t>	</a:t>
-            </a:r>
-            <a:r>
-              <a:rPr lang="en-US" sz="2000" b="1" dirty="0" smtClean="0">
-                <a:latin typeface="Courier New" panose="02070309020205020404" pitchFamily="49" charset="0"/>
-                <a:cs typeface="Courier New" panose="02070309020205020404" pitchFamily="49" charset="0"/>
-              </a:rPr>
-              <a:t>status=false;</a:t>
-            </a:r>
-          </a:p>
-          <a:p>
-            <a:pPr marL="0" indent="0">
-              <a:buNone/>
-            </a:pPr>
-            <a:endParaRPr lang="en-US" sz="2000" dirty="0">
+              <a:rPr lang="en-US" dirty="0" smtClean="0">
+                <a:latin typeface="Courier New" panose="02070309020205020404" pitchFamily="49" charset="0"/>
+                <a:cs typeface="Courier New" panose="02070309020205020404" pitchFamily="49" charset="0"/>
+              </a:rPr>
+              <a:t>    </a:t>
+            </a:r>
+            <a:r>
+              <a:rPr lang="en-US" dirty="0" smtClean="0"/>
+              <a:t>list of constants</a:t>
+            </a:r>
+          </a:p>
+          <a:p>
+            <a:r>
+              <a:rPr lang="en-US" sz="2400" b="1" dirty="0" err="1" smtClean="0">
+                <a:solidFill>
+                  <a:schemeClr val="accent1">
+                    <a:lumMod val="75000"/>
+                  </a:schemeClr>
+                </a:solidFill>
+                <a:latin typeface="Courier New" panose="02070309020205020404" pitchFamily="49" charset="0"/>
+                <a:cs typeface="Courier New" panose="02070309020205020404" pitchFamily="49" charset="0"/>
+              </a:rPr>
+              <a:t>enum</a:t>
+            </a:r>
+            <a:r>
+              <a:rPr lang="en-US" sz="2400" b="1" dirty="0" smtClean="0">
+                <a:solidFill>
+                  <a:schemeClr val="accent1">
+                    <a:lumMod val="75000"/>
+                  </a:schemeClr>
+                </a:solidFill>
+                <a:latin typeface="Courier New" panose="02070309020205020404" pitchFamily="49" charset="0"/>
+                <a:cs typeface="Courier New" panose="02070309020205020404" pitchFamily="49" charset="0"/>
+              </a:rPr>
+              <a:t> rays { alpha=1, beta=2, gamma=3, X=4 };</a:t>
+            </a:r>
+          </a:p>
+          <a:p>
+            <a:pPr lvl="1"/>
+            <a:r>
+              <a:rPr lang="en-US" dirty="0" smtClean="0"/>
+              <a:t>Defines these 4 constants and their values</a:t>
+            </a:r>
+          </a:p>
+          <a:p>
+            <a:pPr lvl="1"/>
+            <a:r>
+              <a:rPr lang="en-US" dirty="0" smtClean="0"/>
+              <a:t>If no values are given, then they would be 0,1,2,… in sequence.</a:t>
+            </a:r>
+          </a:p>
+          <a:p>
+            <a:pPr lvl="1"/>
+            <a:r>
+              <a:rPr lang="en-US" dirty="0" smtClean="0"/>
+              <a:t>Also    </a:t>
+            </a:r>
+            <a:r>
+              <a:rPr lang="en-US" b="1" dirty="0" err="1" smtClean="0">
+                <a:solidFill>
+                  <a:schemeClr val="accent1">
+                    <a:lumMod val="75000"/>
+                  </a:schemeClr>
+                </a:solidFill>
+                <a:latin typeface="Courier New" panose="02070309020205020404" pitchFamily="49" charset="0"/>
+                <a:cs typeface="Courier New" panose="02070309020205020404" pitchFamily="49" charset="0"/>
+              </a:rPr>
+              <a:t>enum</a:t>
+            </a:r>
+            <a:r>
+              <a:rPr lang="en-US" b="1" dirty="0" smtClean="0">
+                <a:solidFill>
+                  <a:schemeClr val="accent1">
+                    <a:lumMod val="75000"/>
+                  </a:schemeClr>
+                </a:solidFill>
+                <a:latin typeface="Courier New" panose="02070309020205020404" pitchFamily="49" charset="0"/>
+                <a:cs typeface="Courier New" panose="02070309020205020404" pitchFamily="49" charset="0"/>
+              </a:rPr>
+              <a:t> rays</a:t>
+            </a:r>
+            <a:r>
+              <a:rPr lang="en-US" b="1" dirty="0" smtClean="0">
+                <a:solidFill>
+                  <a:schemeClr val="accent1">
+                    <a:lumMod val="75000"/>
+                  </a:schemeClr>
+                </a:solidFill>
+              </a:rPr>
+              <a:t>    </a:t>
+            </a:r>
+            <a:r>
+              <a:rPr lang="en-US" dirty="0" smtClean="0"/>
+              <a:t>can be used like a type to define variables.</a:t>
+            </a:r>
+          </a:p>
+          <a:p>
+            <a:r>
+              <a:rPr lang="en-US" sz="2400" b="1" dirty="0" err="1">
+                <a:solidFill>
+                  <a:schemeClr val="accent1">
+                    <a:lumMod val="75000"/>
+                  </a:schemeClr>
+                </a:solidFill>
+                <a:latin typeface="Courier New" panose="02070309020205020404" pitchFamily="49" charset="0"/>
+                <a:cs typeface="Courier New" panose="02070309020205020404" pitchFamily="49" charset="0"/>
+              </a:rPr>
+              <a:t>enum</a:t>
+            </a:r>
+            <a:r>
+              <a:rPr lang="en-US" sz="2400" b="1" dirty="0">
+                <a:solidFill>
+                  <a:schemeClr val="accent1">
+                    <a:lumMod val="75000"/>
+                  </a:schemeClr>
+                </a:solidFill>
+                <a:latin typeface="Courier New" panose="02070309020205020404" pitchFamily="49" charset="0"/>
+                <a:cs typeface="Courier New" panose="02070309020205020404" pitchFamily="49" charset="0"/>
+              </a:rPr>
+              <a:t> rays </a:t>
+            </a:r>
+            <a:r>
+              <a:rPr lang="en-US" sz="2400" b="1" dirty="0" smtClean="0">
+                <a:solidFill>
+                  <a:schemeClr val="accent1">
+                    <a:lumMod val="75000"/>
+                  </a:schemeClr>
+                </a:solidFill>
+                <a:latin typeface="Courier New" panose="02070309020205020404" pitchFamily="49" charset="0"/>
+                <a:cs typeface="Courier New" panose="02070309020205020404" pitchFamily="49" charset="0"/>
+              </a:rPr>
+              <a:t>x;</a:t>
+            </a:r>
+            <a:endParaRPr lang="en-US" sz="2400" b="1" dirty="0">
+              <a:solidFill>
+                <a:schemeClr val="accent1">
+                  <a:lumMod val="75000"/>
+                </a:schemeClr>
+              </a:solidFill>
               <a:latin typeface="Courier New" panose="02070309020205020404" pitchFamily="49" charset="0"/>
               <a:cs typeface="Courier New" panose="02070309020205020404" pitchFamily="49" charset="0"/>
             </a:endParaRPr>
           </a:p>
           <a:p>
-            <a:pPr marL="0" indent="0">
-              <a:buNone/>
-            </a:pPr>
-            <a:r>
-              <a:rPr lang="en-US" sz="2000" dirty="0" smtClean="0">
-                <a:latin typeface="Courier New" panose="02070309020205020404" pitchFamily="49" charset="0"/>
-                <a:cs typeface="Courier New" panose="02070309020205020404" pitchFamily="49" charset="0"/>
-              </a:rPr>
-              <a:t>   </a:t>
-            </a:r>
-            <a:r>
-              <a:rPr lang="en-US" sz="2000" dirty="0" err="1" smtClean="0">
+            <a:pPr lvl="1"/>
+            <a:r>
+              <a:rPr lang="en-US" sz="2000" b="1" dirty="0">
+                <a:solidFill>
+                  <a:schemeClr val="accent1">
+                    <a:lumMod val="75000"/>
+                  </a:schemeClr>
+                </a:solidFill>
+                <a:latin typeface="Courier New" panose="02070309020205020404" pitchFamily="49" charset="0"/>
+                <a:cs typeface="Courier New" panose="02070309020205020404" pitchFamily="49" charset="0"/>
+              </a:rPr>
+              <a:t>x</a:t>
+            </a:r>
+            <a:r>
+              <a:rPr lang="en-US" dirty="0" smtClean="0"/>
+              <a:t> is a variable which can take values from the set { alpha, beta, </a:t>
+            </a:r>
+            <a:r>
+              <a:rPr lang="en-US" dirty="0" err="1" smtClean="0"/>
+              <a:t>gamma,X</a:t>
+            </a:r>
+            <a:r>
+              <a:rPr lang="en-US" dirty="0" smtClean="0"/>
+              <a:t>}</a:t>
+            </a:r>
+          </a:p>
+          <a:p>
+            <a:pPr lvl="1"/>
+            <a:r>
+              <a:rPr lang="en-US" sz="2000" b="1" dirty="0">
+                <a:solidFill>
+                  <a:schemeClr val="accent1">
+                    <a:lumMod val="75000"/>
+                  </a:schemeClr>
+                </a:solidFill>
+                <a:latin typeface="Courier New" panose="02070309020205020404" pitchFamily="49" charset="0"/>
+                <a:cs typeface="Courier New" panose="02070309020205020404" pitchFamily="49" charset="0"/>
+              </a:rPr>
+              <a:t>x = alpha;  </a:t>
+            </a:r>
+            <a:r>
+              <a:rPr lang="en-US" dirty="0" smtClean="0"/>
+              <a:t>is a sample use case.</a:t>
+            </a:r>
+          </a:p>
+          <a:p>
+            <a:pPr lvl="1"/>
+            <a:r>
+              <a:rPr lang="en-US" sz="2000" b="1" dirty="0" err="1">
+                <a:solidFill>
+                  <a:schemeClr val="accent1">
+                    <a:lumMod val="75000"/>
+                  </a:schemeClr>
+                </a:solidFill>
                 <a:latin typeface="Courier New" panose="02070309020205020404" pitchFamily="49" charset="0"/>
                 <a:cs typeface="Courier New" panose="02070309020205020404" pitchFamily="49" charset="0"/>
               </a:rPr>
               <a:t>printf</a:t>
             </a:r>
             <a:r>
-              <a:rPr lang="en-US" sz="2000" dirty="0" smtClean="0">
-                <a:latin typeface="Courier New" panose="02070309020205020404" pitchFamily="49" charset="0"/>
-                <a:cs typeface="Courier New" panose="02070309020205020404" pitchFamily="49" charset="0"/>
-              </a:rPr>
-              <a:t>(“stat = %d\</a:t>
-            </a:r>
-            <a:r>
-              <a:rPr lang="en-US" sz="2000" dirty="0" err="1" smtClean="0">
-                <a:latin typeface="Courier New" panose="02070309020205020404" pitchFamily="49" charset="0"/>
-                <a:cs typeface="Courier New" panose="02070309020205020404" pitchFamily="49" charset="0"/>
-              </a:rPr>
-              <a:t>n”,</a:t>
-            </a:r>
-            <a:r>
-              <a:rPr lang="en-US" sz="2000" b="1" dirty="0" err="1" smtClean="0">
-                <a:latin typeface="Courier New" panose="02070309020205020404" pitchFamily="49" charset="0"/>
-                <a:cs typeface="Courier New" panose="02070309020205020404" pitchFamily="49" charset="0"/>
-              </a:rPr>
-              <a:t>status</a:t>
-            </a:r>
-            <a:r>
-              <a:rPr lang="en-US" sz="2000" dirty="0" smtClean="0">
-                <a:latin typeface="Courier New" panose="02070309020205020404" pitchFamily="49" charset="0"/>
-                <a:cs typeface="Courier New" panose="02070309020205020404" pitchFamily="49" charset="0"/>
-              </a:rPr>
-              <a:t>);</a:t>
-            </a:r>
-            <a:br>
-              <a:rPr lang="en-US" sz="2000" dirty="0" smtClean="0">
-                <a:latin typeface="Courier New" panose="02070309020205020404" pitchFamily="49" charset="0"/>
-                <a:cs typeface="Courier New" panose="02070309020205020404" pitchFamily="49" charset="0"/>
-              </a:rPr>
-            </a:br>
-            <a:r>
-              <a:rPr lang="en-US" sz="2000" dirty="0" smtClean="0">
-                <a:latin typeface="Courier New" panose="02070309020205020404" pitchFamily="49" charset="0"/>
-                <a:cs typeface="Courier New" panose="02070309020205020404" pitchFamily="49" charset="0"/>
-              </a:rPr>
-              <a:t>   </a:t>
-            </a:r>
-            <a:r>
-              <a:rPr lang="en-US" sz="2000" dirty="0" err="1" smtClean="0">
-                <a:latin typeface="Courier New" panose="02070309020205020404" pitchFamily="49" charset="0"/>
-                <a:cs typeface="Courier New" panose="02070309020205020404" pitchFamily="49" charset="0"/>
-              </a:rPr>
-              <a:t>printf</a:t>
-            </a:r>
-            <a:r>
-              <a:rPr lang="en-US" sz="2000" dirty="0" smtClean="0">
-                <a:latin typeface="Courier New" panose="02070309020205020404" pitchFamily="49" charset="0"/>
-                <a:cs typeface="Courier New" panose="02070309020205020404" pitchFamily="49" charset="0"/>
-              </a:rPr>
-              <a:t>(“F=%d, T=%d\n, </a:t>
-            </a:r>
-            <a:r>
-              <a:rPr lang="en-US" sz="2000" b="1" dirty="0" smtClean="0">
-                <a:latin typeface="Courier New" panose="02070309020205020404" pitchFamily="49" charset="0"/>
-                <a:cs typeface="Courier New" panose="02070309020205020404" pitchFamily="49" charset="0"/>
-              </a:rPr>
-              <a:t>false, true</a:t>
-            </a:r>
-            <a:r>
-              <a:rPr lang="en-US" sz="2000" dirty="0" smtClean="0">
-                <a:latin typeface="Courier New" panose="02070309020205020404" pitchFamily="49" charset="0"/>
-                <a:cs typeface="Courier New" panose="02070309020205020404" pitchFamily="49" charset="0"/>
-              </a:rPr>
-              <a:t>);</a:t>
-            </a:r>
-          </a:p>
-          <a:p>
-            <a:pPr marL="0" indent="0">
-              <a:buNone/>
-            </a:pPr>
-            <a:r>
-              <a:rPr lang="en-US" sz="2000" dirty="0" smtClean="0">
-                <a:latin typeface="Courier New" panose="02070309020205020404" pitchFamily="49" charset="0"/>
-                <a:cs typeface="Courier New" panose="02070309020205020404" pitchFamily="49" charset="0"/>
-              </a:rPr>
-              <a:t>}</a:t>
-            </a:r>
-            <a:endParaRPr lang="en-US" sz="2000" dirty="0">
-              <a:latin typeface="Courier New" panose="02070309020205020404" pitchFamily="49" charset="0"/>
-              <a:cs typeface="Courier New" panose="02070309020205020404" pitchFamily="49" charset="0"/>
+              <a:rPr lang="en-US" sz="2000" b="1" dirty="0">
+                <a:solidFill>
+                  <a:schemeClr val="accent1">
+                    <a:lumMod val="75000"/>
+                  </a:schemeClr>
+                </a:solidFill>
+                <a:latin typeface="Courier New" panose="02070309020205020404" pitchFamily="49" charset="0"/>
+                <a:cs typeface="Courier New" panose="02070309020205020404" pitchFamily="49" charset="0"/>
+              </a:rPr>
+              <a:t>(“%d\</a:t>
+            </a:r>
+            <a:r>
+              <a:rPr lang="en-US" sz="2000" b="1" dirty="0" err="1">
+                <a:solidFill>
+                  <a:schemeClr val="accent1">
+                    <a:lumMod val="75000"/>
+                  </a:schemeClr>
+                </a:solidFill>
+                <a:latin typeface="Courier New" panose="02070309020205020404" pitchFamily="49" charset="0"/>
+                <a:cs typeface="Courier New" panose="02070309020205020404" pitchFamily="49" charset="0"/>
+              </a:rPr>
+              <a:t>n”,alpha</a:t>
+            </a:r>
+            <a:r>
+              <a:rPr lang="en-US" sz="2000" b="1" dirty="0">
+                <a:solidFill>
+                  <a:schemeClr val="accent1">
+                    <a:lumMod val="75000"/>
+                  </a:schemeClr>
+                </a:solidFill>
+                <a:latin typeface="Courier New" panose="02070309020205020404" pitchFamily="49" charset="0"/>
+                <a:cs typeface="Courier New" panose="02070309020205020404" pitchFamily="49" charset="0"/>
+              </a:rPr>
+              <a:t>); </a:t>
+            </a:r>
+            <a:r>
+              <a:rPr lang="en-US" dirty="0" smtClean="0"/>
+              <a:t>would print</a:t>
+            </a:r>
+            <a:r>
+              <a:rPr lang="en-US" sz="2000" b="1" dirty="0">
+                <a:solidFill>
+                  <a:schemeClr val="accent1">
+                    <a:lumMod val="75000"/>
+                  </a:schemeClr>
+                </a:solidFill>
+                <a:latin typeface="Courier New" panose="02070309020205020404" pitchFamily="49" charset="0"/>
+                <a:cs typeface="Courier New" panose="02070309020205020404" pitchFamily="49" charset="0"/>
+              </a:rPr>
+              <a:t>: 1 </a:t>
+            </a:r>
+          </a:p>
+          <a:p>
+            <a:endParaRPr lang="en-US" dirty="0"/>
+          </a:p>
+        </p:txBody>
+      </p:sp>
+      <p:sp>
+        <p:nvSpPr>
+          <p:cNvPr id="4" name="Rounded Rectangle 3"/>
+          <p:cNvSpPr/>
+          <p:nvPr/>
+        </p:nvSpPr>
+        <p:spPr>
+          <a:xfrm>
+            <a:off x="8588" y="7988"/>
+            <a:ext cx="1871785" cy="593408"/>
+          </a:xfrm>
+          <a:prstGeom prst="roundRect">
+            <a:avLst/>
+          </a:prstGeom>
+          <a:solidFill>
+            <a:schemeClr val="accent1">
+              <a:lumMod val="40000"/>
+              <a:lumOff val="60000"/>
+            </a:schemeClr>
+          </a:solidFill>
+        </p:spPr>
+        <p:style>
+          <a:lnRef idx="2">
+            <a:schemeClr val="accent1">
+              <a:shade val="50000"/>
+            </a:schemeClr>
+          </a:lnRef>
+          <a:fillRef idx="1">
+            <a:schemeClr val="accent1"/>
+          </a:fillRef>
+          <a:effectRef idx="0">
+            <a:schemeClr val="accent1"/>
+          </a:effectRef>
+          <a:fontRef idx="minor">
+            <a:schemeClr val="lt1"/>
+          </a:fontRef>
+        </p:style>
+        <p:txBody>
+          <a:bodyPr rtlCol="0" anchor="ctr"/>
+          <a:lstStyle/>
+          <a:p>
+            <a:pPr algn="ctr"/>
+            <a:r>
+              <a:rPr lang="en-US" sz="2800" dirty="0" err="1" smtClean="0">
+                <a:solidFill>
+                  <a:schemeClr val="tx1"/>
+                </a:solidFill>
+              </a:rPr>
+              <a:t>enum</a:t>
+            </a:r>
+            <a:endParaRPr lang="en-US" sz="2800" dirty="0">
+              <a:solidFill>
+                <a:schemeClr val="tx1"/>
+              </a:solidFill>
             </a:endParaRPr>
           </a:p>
         </p:txBody>
@@ -3822,7 +4792,7 @@
     </p:spTree>
     <p:extLst>
       <p:ext uri="{BB962C8B-B14F-4D97-AF65-F5344CB8AC3E}">
-        <p14:creationId xmlns:p14="http://schemas.microsoft.com/office/powerpoint/2010/main" val="2160845250"/>
+        <p14:creationId xmlns:p14="http://schemas.microsoft.com/office/powerpoint/2010/main" val="357720172"/>
       </p:ext>
     </p:extLst>
   </p:cSld>
@@ -3872,15 +4842,33 @@
           <a:lstStyle/>
           <a:p>
             <a:r>
+              <a:rPr lang="en-US" dirty="0" smtClean="0"/>
+              <a:t>A simple</a:t>
+            </a:r>
+            <a:r>
               <a:rPr lang="en-US" sz="4000" dirty="0" smtClean="0">
                 <a:latin typeface="Courier New" panose="02070309020205020404" pitchFamily="49" charset="0"/>
                 <a:cs typeface="Courier New" panose="02070309020205020404" pitchFamily="49" charset="0"/>
               </a:rPr>
-              <a:t>#define  </a:t>
+              <a:t> </a:t>
+            </a:r>
+            <a:r>
+              <a:rPr lang="en-US" sz="4000" dirty="0" err="1" smtClean="0">
+                <a:latin typeface="Courier New" panose="02070309020205020404" pitchFamily="49" charset="0"/>
+                <a:cs typeface="Courier New" panose="02070309020205020404" pitchFamily="49" charset="0"/>
+              </a:rPr>
+              <a:t>enum</a:t>
+            </a:r>
+            <a:r>
+              <a:rPr lang="en-US" sz="4000" dirty="0" smtClean="0">
+                <a:latin typeface="Courier New" panose="02070309020205020404" pitchFamily="49" charset="0"/>
+                <a:cs typeface="Courier New" panose="02070309020205020404" pitchFamily="49" charset="0"/>
+              </a:rPr>
+              <a:t> </a:t>
             </a:r>
             <a:r>
               <a:rPr lang="en-US" dirty="0" smtClean="0"/>
-              <a:t>for defining macros</a:t>
+              <a:t>use case</a:t>
             </a:r>
             <a:endParaRPr lang="en-US" dirty="0"/>
           </a:p>
@@ -3896,121 +4884,888 @@
             <p:ph idx="1"/>
           </p:nvPr>
         </p:nvSpPr>
-        <p:spPr/>
-        <p:txBody>
-          <a:bodyPr/>
+        <p:spPr>
+          <a:xfrm>
+            <a:off x="838200" y="1825625"/>
+            <a:ext cx="5872089" cy="4351338"/>
+          </a:xfrm>
+        </p:spPr>
+        <p:txBody>
+          <a:bodyPr>
+            <a:normAutofit fontScale="92500" lnSpcReduction="20000"/>
+          </a:bodyPr>
           <a:lstStyle/>
           <a:p>
-            <a:r>
-              <a:rPr lang="en-US" dirty="0" smtClean="0"/>
-              <a:t>A macro is a preprocessor directive.</a:t>
-            </a:r>
-          </a:p>
-          <a:p>
-            <a:r>
-              <a:rPr lang="en-US" dirty="0" smtClean="0"/>
-              <a:t>It is a text replacement directive.</a:t>
-            </a:r>
-          </a:p>
-          <a:p>
-            <a:r>
-              <a:rPr lang="en-US" sz="2400" dirty="0">
-                <a:latin typeface="Courier New" panose="02070309020205020404" pitchFamily="49" charset="0"/>
-                <a:cs typeface="Courier New" panose="02070309020205020404" pitchFamily="49" charset="0"/>
-              </a:rPr>
-              <a:t>#define PI    3.1412       </a:t>
-            </a:r>
-            <a:r>
-              <a:rPr lang="en-US" dirty="0" smtClean="0"/>
-              <a:t/>
+            <a:pPr marL="0" indent="0">
+              <a:buNone/>
+            </a:pPr>
+            <a:r>
+              <a:rPr lang="en-US" sz="2000" b="1" dirty="0" err="1">
+                <a:latin typeface="Courier New" panose="02070309020205020404" pitchFamily="49" charset="0"/>
+                <a:cs typeface="Courier New" panose="02070309020205020404" pitchFamily="49" charset="0"/>
+              </a:rPr>
+              <a:t>e</a:t>
+            </a:r>
+            <a:r>
+              <a:rPr lang="en-US" sz="2000" b="1" dirty="0" err="1" smtClean="0">
+                <a:latin typeface="Courier New" panose="02070309020205020404" pitchFamily="49" charset="0"/>
+                <a:cs typeface="Courier New" panose="02070309020205020404" pitchFamily="49" charset="0"/>
+              </a:rPr>
+              <a:t>num</a:t>
+            </a:r>
+            <a:r>
+              <a:rPr lang="en-US" sz="2000" b="1" dirty="0" smtClean="0">
+                <a:latin typeface="Courier New" panose="02070309020205020404" pitchFamily="49" charset="0"/>
+                <a:cs typeface="Courier New" panose="02070309020205020404" pitchFamily="49" charset="0"/>
+              </a:rPr>
+              <a:t> </a:t>
+            </a:r>
+            <a:r>
+              <a:rPr lang="en-US" sz="2000" b="1" dirty="0" err="1" smtClean="0">
+                <a:latin typeface="Courier New" panose="02070309020205020404" pitchFamily="49" charset="0"/>
+                <a:cs typeface="Courier New" panose="02070309020205020404" pitchFamily="49" charset="0"/>
+              </a:rPr>
+              <a:t>boolean</a:t>
+            </a:r>
+            <a:r>
+              <a:rPr lang="en-US" sz="2000" b="1" dirty="0" smtClean="0">
+                <a:latin typeface="Courier New" panose="02070309020205020404" pitchFamily="49" charset="0"/>
+                <a:cs typeface="Courier New" panose="02070309020205020404" pitchFamily="49" charset="0"/>
+              </a:rPr>
+              <a:t> { false, true};</a:t>
+            </a:r>
+          </a:p>
+          <a:p>
+            <a:pPr marL="0" indent="0">
+              <a:buNone/>
+            </a:pPr>
+            <a:r>
+              <a:rPr lang="en-US" sz="2000" dirty="0">
+                <a:latin typeface="Courier New" panose="02070309020205020404" pitchFamily="49" charset="0"/>
+                <a:cs typeface="Courier New" panose="02070309020205020404" pitchFamily="49" charset="0"/>
+              </a:rPr>
+              <a:t>v</a:t>
+            </a:r>
+            <a:r>
+              <a:rPr lang="en-US" sz="2000" dirty="0" smtClean="0">
+                <a:latin typeface="Courier New" panose="02070309020205020404" pitchFamily="49" charset="0"/>
+                <a:cs typeface="Courier New" panose="02070309020205020404" pitchFamily="49" charset="0"/>
+              </a:rPr>
+              <a:t>oid main(){</a:t>
             </a:r>
             <a:br>
-              <a:rPr lang="en-US" dirty="0" smtClean="0"/>
+              <a:rPr lang="en-US" sz="2000" dirty="0" smtClean="0">
+                <a:latin typeface="Courier New" panose="02070309020205020404" pitchFamily="49" charset="0"/>
+                <a:cs typeface="Courier New" panose="02070309020205020404" pitchFamily="49" charset="0"/>
+              </a:rPr>
             </a:br>
             <a:r>
-              <a:rPr lang="en-US" dirty="0" smtClean="0"/>
-              <a:t>replaces  </a:t>
-            </a:r>
-            <a:r>
-              <a:rPr lang="en-US" sz="2400" dirty="0">
-                <a:latin typeface="Courier New" panose="02070309020205020404" pitchFamily="49" charset="0"/>
-                <a:cs typeface="Courier New" panose="02070309020205020404" pitchFamily="49" charset="0"/>
-              </a:rPr>
-              <a:t>PI </a:t>
-            </a:r>
-            <a:r>
-              <a:rPr lang="en-US" dirty="0" smtClean="0"/>
-              <a:t>by </a:t>
-            </a:r>
-            <a:r>
-              <a:rPr lang="en-US" sz="2400" dirty="0">
-                <a:latin typeface="Courier New" panose="02070309020205020404" pitchFamily="49" charset="0"/>
-                <a:cs typeface="Courier New" panose="02070309020205020404" pitchFamily="49" charset="0"/>
-              </a:rPr>
-              <a:t>3.1412</a:t>
-            </a:r>
-            <a:r>
-              <a:rPr lang="en-US" dirty="0" smtClean="0"/>
-              <a:t>   everywhere in the program before compiling</a:t>
-            </a:r>
-          </a:p>
-          <a:p>
-            <a:r>
-              <a:rPr lang="en-US" sz="2400" dirty="0" smtClean="0">
-                <a:latin typeface="Courier New" panose="02070309020205020404" pitchFamily="49" charset="0"/>
-                <a:cs typeface="Courier New" panose="02070309020205020404" pitchFamily="49" charset="0"/>
-              </a:rPr>
-              <a:t>#define BIG (X,Y)   X&gt;Y ? X : Y </a:t>
-            </a:r>
-            <a:r>
-              <a:rPr lang="en-US" dirty="0" smtClean="0"/>
-              <a:t/>
+              <a:rPr lang="en-US" sz="2000" dirty="0" smtClean="0">
+                <a:latin typeface="Courier New" panose="02070309020205020404" pitchFamily="49" charset="0"/>
+                <a:cs typeface="Courier New" panose="02070309020205020404" pitchFamily="49" charset="0"/>
+              </a:rPr>
+              <a:t>   </a:t>
+            </a:r>
+            <a:r>
+              <a:rPr lang="en-US" sz="2000" dirty="0" err="1" smtClean="0">
+                <a:latin typeface="Courier New" panose="02070309020205020404" pitchFamily="49" charset="0"/>
+                <a:cs typeface="Courier New" panose="02070309020205020404" pitchFamily="49" charset="0"/>
+              </a:rPr>
+              <a:t>int</a:t>
+            </a:r>
+            <a:r>
+              <a:rPr lang="en-US" sz="2000" dirty="0" smtClean="0">
+                <a:latin typeface="Courier New" panose="02070309020205020404" pitchFamily="49" charset="0"/>
+                <a:cs typeface="Courier New" panose="02070309020205020404" pitchFamily="49" charset="0"/>
+              </a:rPr>
+              <a:t> a, </a:t>
+            </a:r>
+            <a:r>
+              <a:rPr lang="en-US" sz="2000" dirty="0" err="1" smtClean="0">
+                <a:latin typeface="Courier New" panose="02070309020205020404" pitchFamily="49" charset="0"/>
+                <a:cs typeface="Courier New" panose="02070309020205020404" pitchFamily="49" charset="0"/>
+              </a:rPr>
+              <a:t>int</a:t>
+            </a:r>
+            <a:r>
+              <a:rPr lang="en-US" sz="2000" dirty="0" smtClean="0">
+                <a:latin typeface="Courier New" panose="02070309020205020404" pitchFamily="49" charset="0"/>
+                <a:cs typeface="Courier New" panose="02070309020205020404" pitchFamily="49" charset="0"/>
+              </a:rPr>
+              <a:t> b;</a:t>
+            </a:r>
+          </a:p>
+          <a:p>
+            <a:pPr marL="0" indent="0">
+              <a:buNone/>
+            </a:pPr>
+            <a:r>
+              <a:rPr lang="en-US" sz="2000" dirty="0">
+                <a:latin typeface="Courier New" panose="02070309020205020404" pitchFamily="49" charset="0"/>
+                <a:cs typeface="Courier New" panose="02070309020205020404" pitchFamily="49" charset="0"/>
+              </a:rPr>
+              <a:t> </a:t>
+            </a:r>
+            <a:r>
+              <a:rPr lang="en-US" sz="2000" dirty="0" smtClean="0">
+                <a:latin typeface="Courier New" panose="02070309020205020404" pitchFamily="49" charset="0"/>
+                <a:cs typeface="Courier New" panose="02070309020205020404" pitchFamily="49" charset="0"/>
+              </a:rPr>
+              <a:t>  </a:t>
+            </a:r>
+            <a:r>
+              <a:rPr lang="en-US" sz="2000" b="1" dirty="0" err="1" smtClean="0">
+                <a:latin typeface="Courier New" panose="02070309020205020404" pitchFamily="49" charset="0"/>
+                <a:cs typeface="Courier New" panose="02070309020205020404" pitchFamily="49" charset="0"/>
+              </a:rPr>
+              <a:t>enum</a:t>
+            </a:r>
+            <a:r>
+              <a:rPr lang="en-US" sz="2000" b="1" dirty="0" smtClean="0">
+                <a:latin typeface="Courier New" panose="02070309020205020404" pitchFamily="49" charset="0"/>
+                <a:cs typeface="Courier New" panose="02070309020205020404" pitchFamily="49" charset="0"/>
+              </a:rPr>
+              <a:t> </a:t>
+            </a:r>
+            <a:r>
+              <a:rPr lang="en-US" sz="2000" b="1" dirty="0" err="1" smtClean="0">
+                <a:latin typeface="Courier New" panose="02070309020205020404" pitchFamily="49" charset="0"/>
+                <a:cs typeface="Courier New" panose="02070309020205020404" pitchFamily="49" charset="0"/>
+              </a:rPr>
+              <a:t>boolean</a:t>
+            </a:r>
+            <a:r>
+              <a:rPr lang="en-US" sz="2000" b="1" dirty="0" smtClean="0">
+                <a:latin typeface="Courier New" panose="02070309020205020404" pitchFamily="49" charset="0"/>
+                <a:cs typeface="Courier New" panose="02070309020205020404" pitchFamily="49" charset="0"/>
+              </a:rPr>
+              <a:t> status;</a:t>
+            </a:r>
+          </a:p>
+          <a:p>
+            <a:pPr marL="0" indent="0">
+              <a:buNone/>
+            </a:pPr>
+            <a:r>
+              <a:rPr lang="en-US" sz="2000" dirty="0">
+                <a:latin typeface="Courier New" panose="02070309020205020404" pitchFamily="49" charset="0"/>
+                <a:cs typeface="Courier New" panose="02070309020205020404" pitchFamily="49" charset="0"/>
+              </a:rPr>
+              <a:t> </a:t>
+            </a:r>
+            <a:r>
+              <a:rPr lang="en-US" sz="2000" dirty="0" smtClean="0">
+                <a:latin typeface="Courier New" panose="02070309020205020404" pitchFamily="49" charset="0"/>
+                <a:cs typeface="Courier New" panose="02070309020205020404" pitchFamily="49" charset="0"/>
+              </a:rPr>
+              <a:t>  </a:t>
+            </a:r>
+            <a:r>
+              <a:rPr lang="en-US" sz="2000" dirty="0" err="1" smtClean="0">
+                <a:latin typeface="Courier New" panose="02070309020205020404" pitchFamily="49" charset="0"/>
+                <a:cs typeface="Courier New" panose="02070309020205020404" pitchFamily="49" charset="0"/>
+              </a:rPr>
+              <a:t>scanf</a:t>
+            </a:r>
+            <a:r>
+              <a:rPr lang="en-US" sz="2000" dirty="0" smtClean="0">
+                <a:latin typeface="Courier New" panose="02070309020205020404" pitchFamily="49" charset="0"/>
+                <a:cs typeface="Courier New" panose="02070309020205020404" pitchFamily="49" charset="0"/>
+              </a:rPr>
+              <a:t>(“%</a:t>
+            </a:r>
+            <a:r>
+              <a:rPr lang="en-US" sz="2000" dirty="0" err="1" smtClean="0">
+                <a:latin typeface="Courier New" panose="02070309020205020404" pitchFamily="49" charset="0"/>
+                <a:cs typeface="Courier New" panose="02070309020205020404" pitchFamily="49" charset="0"/>
+              </a:rPr>
+              <a:t>d%d</a:t>
+            </a:r>
+            <a:r>
+              <a:rPr lang="en-US" sz="2000" dirty="0" smtClean="0">
+                <a:latin typeface="Courier New" panose="02070309020205020404" pitchFamily="49" charset="0"/>
+                <a:cs typeface="Courier New" panose="02070309020205020404" pitchFamily="49" charset="0"/>
+              </a:rPr>
+              <a:t>”,&amp;</a:t>
+            </a:r>
+            <a:r>
+              <a:rPr lang="en-US" sz="2000" dirty="0" err="1" smtClean="0">
+                <a:latin typeface="Courier New" panose="02070309020205020404" pitchFamily="49" charset="0"/>
+                <a:cs typeface="Courier New" panose="02070309020205020404" pitchFamily="49" charset="0"/>
+              </a:rPr>
+              <a:t>a,&amp;b</a:t>
+            </a:r>
+            <a:r>
+              <a:rPr lang="en-US" sz="2000" dirty="0" smtClean="0">
+                <a:latin typeface="Courier New" panose="02070309020205020404" pitchFamily="49" charset="0"/>
+                <a:cs typeface="Courier New" panose="02070309020205020404" pitchFamily="49" charset="0"/>
+              </a:rPr>
+              <a:t>);</a:t>
+            </a:r>
+          </a:p>
+          <a:p>
+            <a:pPr marL="0" indent="0">
+              <a:buNone/>
+            </a:pPr>
+            <a:r>
+              <a:rPr lang="en-US" sz="2000" dirty="0">
+                <a:latin typeface="Courier New" panose="02070309020205020404" pitchFamily="49" charset="0"/>
+                <a:cs typeface="Courier New" panose="02070309020205020404" pitchFamily="49" charset="0"/>
+              </a:rPr>
+              <a:t> </a:t>
+            </a:r>
+            <a:r>
+              <a:rPr lang="en-US" sz="2000" dirty="0" smtClean="0">
+                <a:latin typeface="Courier New" panose="02070309020205020404" pitchFamily="49" charset="0"/>
+                <a:cs typeface="Courier New" panose="02070309020205020404" pitchFamily="49" charset="0"/>
+              </a:rPr>
+              <a:t>  if (a &gt; b)</a:t>
+            </a:r>
+          </a:p>
+          <a:p>
+            <a:pPr marL="0" indent="0">
+              <a:buNone/>
+            </a:pPr>
+            <a:r>
+              <a:rPr lang="en-US" sz="2000" dirty="0">
+                <a:latin typeface="Courier New" panose="02070309020205020404" pitchFamily="49" charset="0"/>
+                <a:cs typeface="Courier New" panose="02070309020205020404" pitchFamily="49" charset="0"/>
+              </a:rPr>
+              <a:t> </a:t>
+            </a:r>
+            <a:r>
+              <a:rPr lang="en-US" sz="2000" dirty="0" smtClean="0">
+                <a:latin typeface="Courier New" panose="02070309020205020404" pitchFamily="49" charset="0"/>
+                <a:cs typeface="Courier New" panose="02070309020205020404" pitchFamily="49" charset="0"/>
+              </a:rPr>
+              <a:t>     </a:t>
+            </a:r>
+            <a:r>
+              <a:rPr lang="en-US" sz="2000" b="1" dirty="0" smtClean="0">
+                <a:latin typeface="Courier New" panose="02070309020205020404" pitchFamily="49" charset="0"/>
+                <a:cs typeface="Courier New" panose="02070309020205020404" pitchFamily="49" charset="0"/>
+              </a:rPr>
+              <a:t>status=true;</a:t>
+            </a:r>
+          </a:p>
+          <a:p>
+            <a:pPr marL="0" indent="0">
+              <a:buNone/>
+            </a:pPr>
+            <a:r>
+              <a:rPr lang="en-US" sz="2000" dirty="0">
+                <a:latin typeface="Courier New" panose="02070309020205020404" pitchFamily="49" charset="0"/>
+                <a:cs typeface="Courier New" panose="02070309020205020404" pitchFamily="49" charset="0"/>
+              </a:rPr>
+              <a:t> </a:t>
+            </a:r>
+            <a:r>
+              <a:rPr lang="en-US" sz="2000" dirty="0" smtClean="0">
+                <a:latin typeface="Courier New" panose="02070309020205020404" pitchFamily="49" charset="0"/>
+                <a:cs typeface="Courier New" panose="02070309020205020404" pitchFamily="49" charset="0"/>
+              </a:rPr>
+              <a:t>  else</a:t>
+            </a:r>
+          </a:p>
+          <a:p>
+            <a:pPr marL="0" indent="0">
+              <a:buNone/>
+            </a:pPr>
+            <a:r>
+              <a:rPr lang="en-US" sz="2000" dirty="0">
+                <a:latin typeface="Courier New" panose="02070309020205020404" pitchFamily="49" charset="0"/>
+                <a:cs typeface="Courier New" panose="02070309020205020404" pitchFamily="49" charset="0"/>
+              </a:rPr>
+              <a:t>	</a:t>
+            </a:r>
+            <a:r>
+              <a:rPr lang="en-US" sz="2000" b="1" dirty="0" smtClean="0">
+                <a:latin typeface="Courier New" panose="02070309020205020404" pitchFamily="49" charset="0"/>
+                <a:cs typeface="Courier New" panose="02070309020205020404" pitchFamily="49" charset="0"/>
+              </a:rPr>
+              <a:t>status=false;</a:t>
+            </a:r>
+          </a:p>
+          <a:p>
+            <a:pPr marL="0" indent="0">
+              <a:buNone/>
+            </a:pPr>
+            <a:endParaRPr lang="en-US" sz="2000" dirty="0">
+              <a:latin typeface="Courier New" panose="02070309020205020404" pitchFamily="49" charset="0"/>
+              <a:cs typeface="Courier New" panose="02070309020205020404" pitchFamily="49" charset="0"/>
+            </a:endParaRPr>
+          </a:p>
+          <a:p>
+            <a:pPr marL="0" indent="0">
+              <a:buNone/>
+            </a:pPr>
+            <a:r>
+              <a:rPr lang="en-US" sz="2000" dirty="0" smtClean="0">
+                <a:latin typeface="Courier New" panose="02070309020205020404" pitchFamily="49" charset="0"/>
+                <a:cs typeface="Courier New" panose="02070309020205020404" pitchFamily="49" charset="0"/>
+              </a:rPr>
+              <a:t>   </a:t>
+            </a:r>
+            <a:r>
+              <a:rPr lang="en-US" sz="2000" dirty="0" err="1" smtClean="0">
+                <a:latin typeface="Courier New" panose="02070309020205020404" pitchFamily="49" charset="0"/>
+                <a:cs typeface="Courier New" panose="02070309020205020404" pitchFamily="49" charset="0"/>
+              </a:rPr>
+              <a:t>printf</a:t>
+            </a:r>
+            <a:r>
+              <a:rPr lang="en-US" sz="2000" dirty="0" smtClean="0">
+                <a:latin typeface="Courier New" panose="02070309020205020404" pitchFamily="49" charset="0"/>
+                <a:cs typeface="Courier New" panose="02070309020205020404" pitchFamily="49" charset="0"/>
+              </a:rPr>
+              <a:t>(“stat = %d\</a:t>
+            </a:r>
+            <a:r>
+              <a:rPr lang="en-US" sz="2000" dirty="0" err="1" smtClean="0">
+                <a:latin typeface="Courier New" panose="02070309020205020404" pitchFamily="49" charset="0"/>
+                <a:cs typeface="Courier New" panose="02070309020205020404" pitchFamily="49" charset="0"/>
+              </a:rPr>
+              <a:t>n”,</a:t>
+            </a:r>
+            <a:r>
+              <a:rPr lang="en-US" sz="2000" b="1" dirty="0" err="1" smtClean="0">
+                <a:latin typeface="Courier New" panose="02070309020205020404" pitchFamily="49" charset="0"/>
+                <a:cs typeface="Courier New" panose="02070309020205020404" pitchFamily="49" charset="0"/>
+              </a:rPr>
+              <a:t>status</a:t>
+            </a:r>
+            <a:r>
+              <a:rPr lang="en-US" sz="2000" dirty="0" smtClean="0">
+                <a:latin typeface="Courier New" panose="02070309020205020404" pitchFamily="49" charset="0"/>
+                <a:cs typeface="Courier New" panose="02070309020205020404" pitchFamily="49" charset="0"/>
+              </a:rPr>
+              <a:t>);</a:t>
             </a:r>
             <a:br>
-              <a:rPr lang="en-US" dirty="0" smtClean="0"/>
+              <a:rPr lang="en-US" sz="2000" dirty="0" smtClean="0">
+                <a:latin typeface="Courier New" panose="02070309020205020404" pitchFamily="49" charset="0"/>
+                <a:cs typeface="Courier New" panose="02070309020205020404" pitchFamily="49" charset="0"/>
+              </a:rPr>
             </a:br>
             <a:r>
-              <a:rPr lang="en-US" dirty="0" smtClean="0"/>
-              <a:t>replaces </a:t>
-            </a:r>
-            <a:r>
-              <a:rPr lang="en-US" sz="2400" dirty="0">
-                <a:latin typeface="Courier New" panose="02070309020205020404" pitchFamily="49" charset="0"/>
-                <a:cs typeface="Courier New" panose="02070309020205020404" pitchFamily="49" charset="0"/>
-              </a:rPr>
-              <a:t>BIG (a, b) </a:t>
-            </a:r>
-            <a:r>
-              <a:rPr lang="en-US" dirty="0" smtClean="0"/>
-              <a:t>by </a:t>
-            </a:r>
-            <a:br>
-              <a:rPr lang="en-US" dirty="0" smtClean="0"/>
-            </a:br>
-            <a:r>
-              <a:rPr lang="en-US" sz="2400" dirty="0" smtClean="0">
-                <a:latin typeface="Courier New" panose="02070309020205020404" pitchFamily="49" charset="0"/>
-                <a:cs typeface="Courier New" panose="02070309020205020404" pitchFamily="49" charset="0"/>
-              </a:rPr>
-              <a:t>a&gt;b ? a : b  </a:t>
-            </a:r>
-            <a:r>
-              <a:rPr lang="en-US" dirty="0" smtClean="0"/>
-              <a:t>in the program before compiling</a:t>
-            </a:r>
-          </a:p>
-          <a:p>
-            <a:r>
-              <a:rPr lang="en-US" dirty="0" smtClean="0"/>
-              <a:t>It is used as a shorthand.</a:t>
-            </a:r>
-          </a:p>
-        </p:txBody>
-      </p:sp>
+              <a:rPr lang="en-US" sz="2000" dirty="0" smtClean="0">
+                <a:latin typeface="Courier New" panose="02070309020205020404" pitchFamily="49" charset="0"/>
+                <a:cs typeface="Courier New" panose="02070309020205020404" pitchFamily="49" charset="0"/>
+              </a:rPr>
+              <a:t>   </a:t>
+            </a:r>
+            <a:r>
+              <a:rPr lang="en-US" sz="2000" dirty="0" err="1" smtClean="0">
+                <a:latin typeface="Courier New" panose="02070309020205020404" pitchFamily="49" charset="0"/>
+                <a:cs typeface="Courier New" panose="02070309020205020404" pitchFamily="49" charset="0"/>
+              </a:rPr>
+              <a:t>printf</a:t>
+            </a:r>
+            <a:r>
+              <a:rPr lang="en-US" sz="2000" dirty="0" smtClean="0">
+                <a:latin typeface="Courier New" panose="02070309020205020404" pitchFamily="49" charset="0"/>
+                <a:cs typeface="Courier New" panose="02070309020205020404" pitchFamily="49" charset="0"/>
+              </a:rPr>
+              <a:t>(“F=%d, T=%d\n, </a:t>
+            </a:r>
+            <a:r>
+              <a:rPr lang="en-US" sz="2000" b="1" dirty="0" smtClean="0">
+                <a:latin typeface="Courier New" panose="02070309020205020404" pitchFamily="49" charset="0"/>
+                <a:cs typeface="Courier New" panose="02070309020205020404" pitchFamily="49" charset="0"/>
+              </a:rPr>
+              <a:t>false, true</a:t>
+            </a:r>
+            <a:r>
+              <a:rPr lang="en-US" sz="2000" dirty="0" smtClean="0">
+                <a:latin typeface="Courier New" panose="02070309020205020404" pitchFamily="49" charset="0"/>
+                <a:cs typeface="Courier New" panose="02070309020205020404" pitchFamily="49" charset="0"/>
+              </a:rPr>
+              <a:t>);</a:t>
+            </a:r>
+          </a:p>
+          <a:p>
+            <a:pPr marL="0" indent="0">
+              <a:buNone/>
+            </a:pPr>
+            <a:endParaRPr lang="en-US" sz="2000" dirty="0" smtClean="0">
+              <a:latin typeface="Courier New" panose="02070309020205020404" pitchFamily="49" charset="0"/>
+              <a:cs typeface="Courier New" panose="02070309020205020404" pitchFamily="49" charset="0"/>
+            </a:endParaRPr>
+          </a:p>
+          <a:p>
+            <a:pPr marL="0" indent="0">
+              <a:buNone/>
+            </a:pPr>
+            <a:r>
+              <a:rPr lang="en-US" sz="2000" dirty="0" smtClean="0">
+                <a:latin typeface="Courier New" panose="02070309020205020404" pitchFamily="49" charset="0"/>
+                <a:cs typeface="Courier New" panose="02070309020205020404" pitchFamily="49" charset="0"/>
+              </a:rPr>
+              <a:t>}</a:t>
+            </a:r>
+            <a:endParaRPr lang="en-US" sz="2000" dirty="0">
+              <a:latin typeface="Courier New" panose="02070309020205020404" pitchFamily="49" charset="0"/>
+              <a:cs typeface="Courier New" panose="02070309020205020404" pitchFamily="49" charset="0"/>
+            </a:endParaRPr>
+          </a:p>
+        </p:txBody>
+      </p:sp>
+      <p:sp>
+        <p:nvSpPr>
+          <p:cNvPr id="4" name="Rounded Rectangle 3"/>
+          <p:cNvSpPr/>
+          <p:nvPr/>
+        </p:nvSpPr>
+        <p:spPr>
+          <a:xfrm>
+            <a:off x="8588" y="7988"/>
+            <a:ext cx="1871785" cy="593408"/>
+          </a:xfrm>
+          <a:prstGeom prst="roundRect">
+            <a:avLst/>
+          </a:prstGeom>
+          <a:solidFill>
+            <a:schemeClr val="accent1">
+              <a:lumMod val="40000"/>
+              <a:lumOff val="60000"/>
+            </a:schemeClr>
+          </a:solidFill>
+        </p:spPr>
+        <p:style>
+          <a:lnRef idx="2">
+            <a:schemeClr val="accent1">
+              <a:shade val="50000"/>
+            </a:schemeClr>
+          </a:lnRef>
+          <a:fillRef idx="1">
+            <a:schemeClr val="accent1"/>
+          </a:fillRef>
+          <a:effectRef idx="0">
+            <a:schemeClr val="accent1"/>
+          </a:effectRef>
+          <a:fontRef idx="minor">
+            <a:schemeClr val="lt1"/>
+          </a:fontRef>
+        </p:style>
+        <p:txBody>
+          <a:bodyPr rtlCol="0" anchor="ctr"/>
+          <a:lstStyle/>
+          <a:p>
+            <a:pPr algn="ctr"/>
+            <a:r>
+              <a:rPr lang="en-US" sz="2800" dirty="0" err="1" smtClean="0">
+                <a:solidFill>
+                  <a:schemeClr val="tx1"/>
+                </a:solidFill>
+              </a:rPr>
+              <a:t>enum</a:t>
+            </a:r>
+            <a:endParaRPr lang="en-US" sz="2800" dirty="0">
+              <a:solidFill>
+                <a:schemeClr val="tx1"/>
+              </a:solidFill>
+            </a:endParaRPr>
+          </a:p>
+        </p:txBody>
+      </p:sp>
+      <p:grpSp>
+        <p:nvGrpSpPr>
+          <p:cNvPr id="9" name="Group 8"/>
+          <p:cNvGrpSpPr/>
+          <p:nvPr/>
+        </p:nvGrpSpPr>
+        <p:grpSpPr>
+          <a:xfrm>
+            <a:off x="6569612" y="3108960"/>
+            <a:ext cx="5872089" cy="3763108"/>
+            <a:chOff x="6569612" y="3108960"/>
+            <a:chExt cx="5872089" cy="3763108"/>
+          </a:xfrm>
+        </p:grpSpPr>
+        <p:sp>
+          <p:nvSpPr>
+            <p:cNvPr id="5" name="Content Placeholder 2"/>
+            <p:cNvSpPr txBox="1">
+              <a:spLocks/>
+            </p:cNvSpPr>
+            <p:nvPr/>
+          </p:nvSpPr>
+          <p:spPr>
+            <a:xfrm>
+              <a:off x="6710289" y="3108960"/>
+              <a:ext cx="5731412" cy="3498363"/>
+            </a:xfrm>
+            <a:prstGeom prst="rect">
+              <a:avLst/>
+            </a:prstGeom>
+          </p:spPr>
+          <p:txBody>
+            <a:bodyPr vert="horz" lIns="91440" tIns="45720" rIns="91440" bIns="45720" rtlCol="0">
+              <a:normAutofit/>
+            </a:bodyPr>
+            <a:lstStyle>
+              <a:lvl1pPr marL="228600" indent="-228600" algn="l" defTabSz="914400" rtl="0" eaLnBrk="1" latinLnBrk="0" hangingPunct="1">
+                <a:lnSpc>
+                  <a:spcPct val="90000"/>
+                </a:lnSpc>
+                <a:spcBef>
+                  <a:spcPts val="1000"/>
+                </a:spcBef>
+                <a:buFont typeface="Arial" panose="020B0604020202020204" pitchFamily="34" charset="0"/>
+                <a:buChar char="•"/>
+                <a:defRPr sz="2800" kern="1200">
+                  <a:solidFill>
+                    <a:schemeClr val="tx1"/>
+                  </a:solidFill>
+                  <a:latin typeface="+mn-lt"/>
+                  <a:ea typeface="+mn-ea"/>
+                  <a:cs typeface="+mn-cs"/>
+                </a:defRPr>
+              </a:lvl1pPr>
+              <a:lvl2pPr marL="685800" indent="-228600" algn="l" defTabSz="914400" rtl="0" eaLnBrk="1" latinLnBrk="0" hangingPunct="1">
+                <a:lnSpc>
+                  <a:spcPct val="90000"/>
+                </a:lnSpc>
+                <a:spcBef>
+                  <a:spcPts val="500"/>
+                </a:spcBef>
+                <a:buFont typeface="Arial" panose="020B0604020202020204" pitchFamily="34" charset="0"/>
+                <a:buChar char="•"/>
+                <a:defRPr sz="2400" kern="1200">
+                  <a:solidFill>
+                    <a:schemeClr val="tx1"/>
+                  </a:solidFill>
+                  <a:latin typeface="+mn-lt"/>
+                  <a:ea typeface="+mn-ea"/>
+                  <a:cs typeface="+mn-cs"/>
+                </a:defRPr>
+              </a:lvl2pPr>
+              <a:lvl3pPr marL="1143000" indent="-228600" algn="l" defTabSz="914400" rtl="0" eaLnBrk="1" latinLnBrk="0" hangingPunct="1">
+                <a:lnSpc>
+                  <a:spcPct val="90000"/>
+                </a:lnSpc>
+                <a:spcBef>
+                  <a:spcPts val="500"/>
+                </a:spcBef>
+                <a:buFont typeface="Arial" panose="020B0604020202020204" pitchFamily="34" charset="0"/>
+                <a:buChar char="•"/>
+                <a:defRPr sz="2000" kern="1200">
+                  <a:solidFill>
+                    <a:schemeClr val="tx1"/>
+                  </a:solidFill>
+                  <a:latin typeface="+mn-lt"/>
+                  <a:ea typeface="+mn-ea"/>
+                  <a:cs typeface="+mn-cs"/>
+                </a:defRPr>
+              </a:lvl3pPr>
+              <a:lvl4pPr marL="1600200" indent="-228600" algn="l" defTabSz="914400" rtl="0" eaLnBrk="1" latinLnBrk="0" hangingPunct="1">
+                <a:lnSpc>
+                  <a:spcPct val="90000"/>
+                </a:lnSpc>
+                <a:spcBef>
+                  <a:spcPts val="500"/>
+                </a:spcBef>
+                <a:buFont typeface="Arial" panose="020B0604020202020204" pitchFamily="34" charset="0"/>
+                <a:buChar char="•"/>
+                <a:defRPr sz="1800" kern="1200">
+                  <a:solidFill>
+                    <a:schemeClr val="tx1"/>
+                  </a:solidFill>
+                  <a:latin typeface="+mn-lt"/>
+                  <a:ea typeface="+mn-ea"/>
+                  <a:cs typeface="+mn-cs"/>
+                </a:defRPr>
+              </a:lvl4pPr>
+              <a:lvl5pPr marL="2057400" indent="-228600" algn="l" defTabSz="914400" rtl="0" eaLnBrk="1" latinLnBrk="0" hangingPunct="1">
+                <a:lnSpc>
+                  <a:spcPct val="90000"/>
+                </a:lnSpc>
+                <a:spcBef>
+                  <a:spcPts val="500"/>
+                </a:spcBef>
+                <a:buFont typeface="Arial" panose="020B0604020202020204" pitchFamily="34" charset="0"/>
+                <a:buChar char="•"/>
+                <a:defRPr sz="1800" kern="1200">
+                  <a:solidFill>
+                    <a:schemeClr val="tx1"/>
+                  </a:solidFill>
+                  <a:latin typeface="+mn-lt"/>
+                  <a:ea typeface="+mn-ea"/>
+                  <a:cs typeface="+mn-cs"/>
+                </a:defRPr>
+              </a:lvl5pPr>
+              <a:lvl6pPr marL="2514600" indent="-228600" algn="l" defTabSz="914400" rtl="0" eaLnBrk="1" latinLnBrk="0" hangingPunct="1">
+                <a:lnSpc>
+                  <a:spcPct val="90000"/>
+                </a:lnSpc>
+                <a:spcBef>
+                  <a:spcPts val="500"/>
+                </a:spcBef>
+                <a:buFont typeface="Arial" panose="020B0604020202020204" pitchFamily="34" charset="0"/>
+                <a:buChar char="•"/>
+                <a:defRPr sz="1800" kern="1200">
+                  <a:solidFill>
+                    <a:schemeClr val="tx1"/>
+                  </a:solidFill>
+                  <a:latin typeface="+mn-lt"/>
+                  <a:ea typeface="+mn-ea"/>
+                  <a:cs typeface="+mn-cs"/>
+                </a:defRPr>
+              </a:lvl6pPr>
+              <a:lvl7pPr marL="2971800" indent="-228600" algn="l" defTabSz="914400" rtl="0" eaLnBrk="1" latinLnBrk="0" hangingPunct="1">
+                <a:lnSpc>
+                  <a:spcPct val="90000"/>
+                </a:lnSpc>
+                <a:spcBef>
+                  <a:spcPts val="500"/>
+                </a:spcBef>
+                <a:buFont typeface="Arial" panose="020B0604020202020204" pitchFamily="34" charset="0"/>
+                <a:buChar char="•"/>
+                <a:defRPr sz="1800" kern="1200">
+                  <a:solidFill>
+                    <a:schemeClr val="tx1"/>
+                  </a:solidFill>
+                  <a:latin typeface="+mn-lt"/>
+                  <a:ea typeface="+mn-ea"/>
+                  <a:cs typeface="+mn-cs"/>
+                </a:defRPr>
+              </a:lvl7pPr>
+              <a:lvl8pPr marL="3429000" indent="-228600" algn="l" defTabSz="914400" rtl="0" eaLnBrk="1" latinLnBrk="0" hangingPunct="1">
+                <a:lnSpc>
+                  <a:spcPct val="90000"/>
+                </a:lnSpc>
+                <a:spcBef>
+                  <a:spcPts val="500"/>
+                </a:spcBef>
+                <a:buFont typeface="Arial" panose="020B0604020202020204" pitchFamily="34" charset="0"/>
+                <a:buChar char="•"/>
+                <a:defRPr sz="1800" kern="1200">
+                  <a:solidFill>
+                    <a:schemeClr val="tx1"/>
+                  </a:solidFill>
+                  <a:latin typeface="+mn-lt"/>
+                  <a:ea typeface="+mn-ea"/>
+                  <a:cs typeface="+mn-cs"/>
+                </a:defRPr>
+              </a:lvl8pPr>
+              <a:lvl9pPr marL="3886200" indent="-228600" algn="l" defTabSz="914400" rtl="0" eaLnBrk="1" latinLnBrk="0" hangingPunct="1">
+                <a:lnSpc>
+                  <a:spcPct val="90000"/>
+                </a:lnSpc>
+                <a:spcBef>
+                  <a:spcPts val="500"/>
+                </a:spcBef>
+                <a:buFont typeface="Arial" panose="020B0604020202020204" pitchFamily="34" charset="0"/>
+                <a:buChar char="•"/>
+                <a:defRPr sz="1800" kern="1200">
+                  <a:solidFill>
+                    <a:schemeClr val="tx1"/>
+                  </a:solidFill>
+                  <a:latin typeface="+mn-lt"/>
+                  <a:ea typeface="+mn-ea"/>
+                  <a:cs typeface="+mn-cs"/>
+                </a:defRPr>
+              </a:lvl9pPr>
+            </a:lstStyle>
+            <a:p>
+              <a:pPr marL="0" indent="0">
+                <a:buFont typeface="Arial" panose="020B0604020202020204" pitchFamily="34" charset="0"/>
+                <a:buNone/>
+              </a:pPr>
+              <a:endParaRPr lang="en-US" sz="2000" dirty="0" smtClean="0">
+                <a:latin typeface="Courier New" panose="02070309020205020404" pitchFamily="49" charset="0"/>
+                <a:cs typeface="Courier New" panose="02070309020205020404" pitchFamily="49" charset="0"/>
+              </a:endParaRPr>
+            </a:p>
+            <a:p>
+              <a:pPr marL="0" indent="0">
+                <a:buFont typeface="Arial" panose="020B0604020202020204" pitchFamily="34" charset="0"/>
+                <a:buNone/>
+              </a:pPr>
+              <a:endParaRPr lang="en-US" sz="2000" dirty="0">
+                <a:latin typeface="Courier New" panose="02070309020205020404" pitchFamily="49" charset="0"/>
+                <a:cs typeface="Courier New" panose="02070309020205020404" pitchFamily="49" charset="0"/>
+              </a:endParaRPr>
+            </a:p>
+            <a:p>
+              <a:pPr marL="0" indent="0">
+                <a:buFont typeface="Arial" panose="020B0604020202020204" pitchFamily="34" charset="0"/>
+                <a:buNone/>
+              </a:pPr>
+              <a:r>
+                <a:rPr lang="en-US" sz="2000" dirty="0" smtClean="0">
+                  <a:latin typeface="Courier New" panose="02070309020205020404" pitchFamily="49" charset="0"/>
+                  <a:cs typeface="Courier New" panose="02070309020205020404" pitchFamily="49" charset="0"/>
+                </a:rPr>
+                <a:t>…</a:t>
+              </a:r>
+            </a:p>
+            <a:p>
+              <a:pPr marL="0" indent="0">
+                <a:buFont typeface="Arial" panose="020B0604020202020204" pitchFamily="34" charset="0"/>
+                <a:buNone/>
+              </a:pPr>
+              <a:endParaRPr lang="en-US" sz="2000" dirty="0">
+                <a:latin typeface="Courier New" panose="02070309020205020404" pitchFamily="49" charset="0"/>
+                <a:cs typeface="Courier New" panose="02070309020205020404" pitchFamily="49" charset="0"/>
+              </a:endParaRPr>
+            </a:p>
+            <a:p>
+              <a:pPr marL="0" indent="0">
+                <a:buFont typeface="Arial" panose="020B0604020202020204" pitchFamily="34" charset="0"/>
+                <a:buNone/>
+              </a:pPr>
+              <a:r>
+                <a:rPr lang="en-US" sz="2000" dirty="0" smtClean="0">
+                  <a:latin typeface="Courier New" panose="02070309020205020404" pitchFamily="49" charset="0"/>
+                  <a:cs typeface="Courier New" panose="02070309020205020404" pitchFamily="49" charset="0"/>
+                </a:rPr>
+                <a:t>if ( </a:t>
+              </a:r>
+              <a:r>
+                <a:rPr lang="en-US" sz="2000" b="1" dirty="0" smtClean="0">
+                  <a:latin typeface="Courier New" panose="02070309020205020404" pitchFamily="49" charset="0"/>
+                  <a:cs typeface="Courier New" panose="02070309020205020404" pitchFamily="49" charset="0"/>
+                </a:rPr>
+                <a:t>status == true</a:t>
+              </a:r>
+              <a:r>
+                <a:rPr lang="en-US" sz="2000" dirty="0" smtClean="0">
+                  <a:latin typeface="Courier New" panose="02070309020205020404" pitchFamily="49" charset="0"/>
+                  <a:cs typeface="Courier New" panose="02070309020205020404" pitchFamily="49" charset="0"/>
+                </a:rPr>
+                <a:t> )</a:t>
+              </a:r>
+              <a:br>
+                <a:rPr lang="en-US" sz="2000" dirty="0" smtClean="0">
+                  <a:latin typeface="Courier New" panose="02070309020205020404" pitchFamily="49" charset="0"/>
+                  <a:cs typeface="Courier New" panose="02070309020205020404" pitchFamily="49" charset="0"/>
+                </a:rPr>
+              </a:br>
+              <a:r>
+                <a:rPr lang="en-US" sz="2000" dirty="0" smtClean="0">
+                  <a:latin typeface="Courier New" panose="02070309020205020404" pitchFamily="49" charset="0"/>
+                  <a:cs typeface="Courier New" panose="02070309020205020404" pitchFamily="49" charset="0"/>
+                </a:rPr>
+                <a:t>        </a:t>
+              </a:r>
+              <a:r>
+                <a:rPr lang="en-US" sz="2000" dirty="0" err="1" smtClean="0">
+                  <a:latin typeface="Courier New" panose="02070309020205020404" pitchFamily="49" charset="0"/>
+                  <a:cs typeface="Courier New" panose="02070309020205020404" pitchFamily="49" charset="0"/>
+                </a:rPr>
+                <a:t>printf</a:t>
+              </a:r>
+              <a:r>
+                <a:rPr lang="en-US" sz="2000" dirty="0" smtClean="0">
+                  <a:latin typeface="Courier New" panose="02070309020205020404" pitchFamily="49" charset="0"/>
+                  <a:cs typeface="Courier New" panose="02070309020205020404" pitchFamily="49" charset="0"/>
+                </a:rPr>
+                <a:t>(“a is bigger\n”);</a:t>
+              </a:r>
+            </a:p>
+            <a:p>
+              <a:pPr marL="0" indent="0">
+                <a:buFont typeface="Arial" panose="020B0604020202020204" pitchFamily="34" charset="0"/>
+                <a:buNone/>
+              </a:pPr>
+              <a:r>
+                <a:rPr lang="en-US" sz="2000" dirty="0">
+                  <a:latin typeface="Courier New" panose="02070309020205020404" pitchFamily="49" charset="0"/>
+                  <a:cs typeface="Courier New" panose="02070309020205020404" pitchFamily="49" charset="0"/>
+                </a:rPr>
+                <a:t> </a:t>
+              </a:r>
+              <a:r>
+                <a:rPr lang="en-US" sz="2000" dirty="0" smtClean="0">
+                  <a:latin typeface="Courier New" panose="02070309020205020404" pitchFamily="49" charset="0"/>
+                  <a:cs typeface="Courier New" panose="02070309020205020404" pitchFamily="49" charset="0"/>
+                </a:rPr>
+                <a:t>  else</a:t>
+              </a:r>
+              <a:br>
+                <a:rPr lang="en-US" sz="2000" dirty="0" smtClean="0">
+                  <a:latin typeface="Courier New" panose="02070309020205020404" pitchFamily="49" charset="0"/>
+                  <a:cs typeface="Courier New" panose="02070309020205020404" pitchFamily="49" charset="0"/>
+                </a:rPr>
+              </a:br>
+              <a:r>
+                <a:rPr lang="en-US" sz="2000" dirty="0" smtClean="0">
+                  <a:latin typeface="Courier New" panose="02070309020205020404" pitchFamily="49" charset="0"/>
+                  <a:cs typeface="Courier New" panose="02070309020205020404" pitchFamily="49" charset="0"/>
+                </a:rPr>
+                <a:t>        </a:t>
+              </a:r>
+              <a:r>
+                <a:rPr lang="en-US" sz="2000" dirty="0" err="1" smtClean="0">
+                  <a:latin typeface="Courier New" panose="02070309020205020404" pitchFamily="49" charset="0"/>
+                  <a:cs typeface="Courier New" panose="02070309020205020404" pitchFamily="49" charset="0"/>
+                </a:rPr>
+                <a:t>printf</a:t>
+              </a:r>
+              <a:r>
+                <a:rPr lang="en-US" sz="2000" dirty="0" smtClean="0">
+                  <a:latin typeface="Courier New" panose="02070309020205020404" pitchFamily="49" charset="0"/>
+                  <a:cs typeface="Courier New" panose="02070309020205020404" pitchFamily="49" charset="0"/>
+                </a:rPr>
+                <a:t>(“a isn’t bigger\n”);</a:t>
+              </a:r>
+            </a:p>
+            <a:p>
+              <a:pPr marL="0" indent="0">
+                <a:buFont typeface="Arial" panose="020B0604020202020204" pitchFamily="34" charset="0"/>
+                <a:buNone/>
+              </a:pPr>
+              <a:r>
+                <a:rPr lang="en-US" sz="2000" dirty="0" smtClean="0">
+                  <a:latin typeface="Courier New" panose="02070309020205020404" pitchFamily="49" charset="0"/>
+                  <a:cs typeface="Courier New" panose="02070309020205020404" pitchFamily="49" charset="0"/>
+                </a:rPr>
+                <a:t>}</a:t>
+              </a:r>
+              <a:endParaRPr lang="en-US" sz="2000" dirty="0">
+                <a:latin typeface="Courier New" panose="02070309020205020404" pitchFamily="49" charset="0"/>
+                <a:cs typeface="Courier New" panose="02070309020205020404" pitchFamily="49" charset="0"/>
+              </a:endParaRPr>
+            </a:p>
+          </p:txBody>
+        </p:sp>
+        <p:cxnSp>
+          <p:nvCxnSpPr>
+            <p:cNvPr id="7" name="Straight Connector 6"/>
+            <p:cNvCxnSpPr/>
+            <p:nvPr/>
+          </p:nvCxnSpPr>
+          <p:spPr>
+            <a:xfrm flipH="1">
+              <a:off x="6569612" y="4696399"/>
+              <a:ext cx="14068" cy="2175669"/>
+            </a:xfrm>
+            <a:prstGeom prst="line">
+              <a:avLst/>
+            </a:prstGeom>
+            <a:ln w="57150"/>
+          </p:spPr>
+          <p:style>
+            <a:lnRef idx="1">
+              <a:schemeClr val="accent1"/>
+            </a:lnRef>
+            <a:fillRef idx="0">
+              <a:schemeClr val="accent1"/>
+            </a:fillRef>
+            <a:effectRef idx="0">
+              <a:schemeClr val="accent1"/>
+            </a:effectRef>
+            <a:fontRef idx="minor">
+              <a:schemeClr val="tx1"/>
+            </a:fontRef>
+          </p:style>
+        </p:cxnSp>
+      </p:grpSp>
     </p:spTree>
     <p:extLst>
       <p:ext uri="{BB962C8B-B14F-4D97-AF65-F5344CB8AC3E}">
-        <p14:creationId xmlns:p14="http://schemas.microsoft.com/office/powerpoint/2010/main" val="1047309977"/>
+        <p14:creationId xmlns:p14="http://schemas.microsoft.com/office/powerpoint/2010/main" val="2160845250"/>
       </p:ext>
     </p:extLst>
   </p:cSld>
@@ -4020,7 +5775,83 @@
   <p:timing>
     <p:tnLst>
       <p:par>
-        <p:cTn id="1" dur="indefinite" restart="never" nodeType="tmRoot"/>
+        <p:cTn id="1" dur="indefinite" restart="never" nodeType="tmRoot">
+          <p:childTnLst>
+            <p:seq concurrent="1" nextAc="seek">
+              <p:cTn id="2" dur="indefinite" nodeType="mainSeq">
+                <p:childTnLst>
+                  <p:par>
+                    <p:cTn id="3" fill="hold">
+                      <p:stCondLst>
+                        <p:cond delay="indefinite"/>
+                      </p:stCondLst>
+                      <p:childTnLst>
+                        <p:par>
+                          <p:cTn id="4" fill="hold">
+                            <p:stCondLst>
+                              <p:cond delay="0"/>
+                            </p:stCondLst>
+                            <p:childTnLst>
+                              <p:par>
+                                <p:cTn id="5" presetID="10" presetClass="entr" presetSubtype="0" fill="hold" nodeType="clickEffect">
+                                  <p:stCondLst>
+                                    <p:cond delay="0"/>
+                                  </p:stCondLst>
+                                  <p:childTnLst>
+                                    <p:set>
+                                      <p:cBhvr>
+                                        <p:cTn id="6" dur="1" fill="hold">
+                                          <p:stCondLst>
+                                            <p:cond delay="0"/>
+                                          </p:stCondLst>
+                                        </p:cTn>
+                                        <p:tgtEl>
+                                          <p:spTgt spid="9"/>
+                                        </p:tgtEl>
+                                        <p:attrNameLst>
+                                          <p:attrName>style.visibility</p:attrName>
+                                        </p:attrNameLst>
+                                      </p:cBhvr>
+                                      <p:to>
+                                        <p:strVal val="visible"/>
+                                      </p:to>
+                                    </p:set>
+                                    <p:animEffect transition="in" filter="fade">
+                                      <p:cBhvr>
+                                        <p:cTn id="7" dur="500"/>
+                                        <p:tgtEl>
+                                          <p:spTgt spid="9"/>
+                                        </p:tgtEl>
+                                      </p:cBhvr>
+                                    </p:animEffect>
+                                  </p:childTnLst>
+                                </p:cTn>
+                              </p:par>
+                            </p:childTnLst>
+                          </p:cTn>
+                        </p:par>
+                      </p:childTnLst>
+                    </p:cTn>
+                  </p:par>
+                </p:childTnLst>
+              </p:cTn>
+              <p:prevCondLst>
+                <p:cond evt="onPrev" delay="0">
+                  <p:tgtEl>
+                    <p:sldTgt/>
+                  </p:tgtEl>
+                </p:cond>
+              </p:prevCondLst>
+              <p:nextCondLst>
+                <p:cond evt="onNext" delay="0">
+                  <p:tgtEl>
+                    <p:sldTgt/>
+                  </p:tgtEl>
+                </p:cond>
+              </p:nextCondLst>
+            </p:seq>
+          </p:childTnLst>
+        </p:cTn>
       </p:par>
     </p:tnLst>
   </p:timing>
@@ -4054,21 +5885,34 @@
             <p:ph type="title"/>
           </p:nvPr>
         </p:nvSpPr>
-        <p:spPr>
-          <a:xfrm>
-            <a:off x="838200" y="322922"/>
-            <a:ext cx="10515600" cy="1325563"/>
-          </a:xfrm>
-        </p:spPr>
-        <p:txBody>
-          <a:bodyPr/>
+        <p:spPr/>
+        <p:txBody>
+          <a:bodyPr>
+            <a:normAutofit fontScale="90000"/>
+          </a:bodyPr>
           <a:lstStyle/>
           <a:p>
             <a:r>
+              <a:rPr lang="en-US" sz="4000" dirty="0" smtClean="0">
+                <a:latin typeface="Courier New" panose="02070309020205020404" pitchFamily="49" charset="0"/>
+                <a:cs typeface="Courier New" panose="02070309020205020404" pitchFamily="49" charset="0"/>
+              </a:rPr>
+              <a:t>#define  </a:t>
+            </a:r>
+            <a:r>
               <a:rPr lang="en-US" dirty="0" smtClean="0"/>
-              <a:t>A simple macro example</a:t>
-            </a:r>
-            <a:endParaRPr lang="en-US" dirty="0"/>
+              <a:t>for defining </a:t>
+            </a:r>
+            <a:r>
+              <a:rPr lang="en-US" sz="4800" i="1" dirty="0" smtClean="0">
+                <a:latin typeface="Garamond" panose="02020404030301010803" pitchFamily="18" charset="0"/>
+              </a:rPr>
+              <a:t>macros – </a:t>
+            </a:r>
+            <a:r>
+              <a:rPr lang="en-US" dirty="0"/>
+              <a:t>text replacement</a:t>
+            </a:r>
           </a:p>
         </p:txBody>
       </p:sp>
@@ -4082,6 +5926,434 @@
             <p:ph idx="1"/>
           </p:nvPr>
         </p:nvSpPr>
+        <p:spPr/>
+        <p:txBody>
+          <a:bodyPr/>
+          <a:lstStyle/>
+          <a:p>
+            <a:r>
+              <a:rPr lang="en-US" dirty="0" smtClean="0"/>
+              <a:t>A macro is a </a:t>
+            </a:r>
+            <a:r>
+              <a:rPr lang="en-US" u="dbl" dirty="0" smtClean="0"/>
+              <a:t>preprocessor</a:t>
+            </a:r>
+            <a:r>
+              <a:rPr lang="en-US" dirty="0" smtClean="0"/>
+              <a:t> directive.</a:t>
+            </a:r>
+          </a:p>
+          <a:p>
+            <a:r>
+              <a:rPr lang="en-US" dirty="0" smtClean="0"/>
+              <a:t>It is a text replacement directive.</a:t>
+            </a:r>
+          </a:p>
+          <a:p>
+            <a:r>
+              <a:rPr lang="en-US" sz="2400" dirty="0">
+                <a:latin typeface="Courier New" panose="02070309020205020404" pitchFamily="49" charset="0"/>
+                <a:cs typeface="Courier New" panose="02070309020205020404" pitchFamily="49" charset="0"/>
+              </a:rPr>
+              <a:t>#define PI    3.1412       </a:t>
+            </a:r>
+            <a:r>
+              <a:rPr lang="en-US" dirty="0" smtClean="0"/>
+              <a:t/>
+            </a:r>
+            <a:br>
+              <a:rPr lang="en-US" dirty="0" smtClean="0"/>
+            </a:br>
+            <a:r>
+              <a:rPr lang="en-US" dirty="0" smtClean="0"/>
+              <a:t>replaces  </a:t>
+            </a:r>
+            <a:r>
+              <a:rPr lang="en-US" sz="2400" dirty="0">
+                <a:latin typeface="Courier New" panose="02070309020205020404" pitchFamily="49" charset="0"/>
+                <a:cs typeface="Courier New" panose="02070309020205020404" pitchFamily="49" charset="0"/>
+              </a:rPr>
+              <a:t>PI </a:t>
+            </a:r>
+            <a:r>
+              <a:rPr lang="en-US" dirty="0" smtClean="0"/>
+              <a:t>by </a:t>
+            </a:r>
+            <a:r>
+              <a:rPr lang="en-US" sz="2400" dirty="0">
+                <a:latin typeface="Courier New" panose="02070309020205020404" pitchFamily="49" charset="0"/>
+                <a:cs typeface="Courier New" panose="02070309020205020404" pitchFamily="49" charset="0"/>
+              </a:rPr>
+              <a:t>3.1412</a:t>
+            </a:r>
+            <a:r>
+              <a:rPr lang="en-US" dirty="0" smtClean="0"/>
+              <a:t>   everywhere in the program before compiling</a:t>
+            </a:r>
+          </a:p>
+          <a:p>
+            <a:r>
+              <a:rPr lang="en-US" sz="2400" dirty="0" smtClean="0">
+                <a:latin typeface="Courier New" panose="02070309020205020404" pitchFamily="49" charset="0"/>
+                <a:cs typeface="Courier New" panose="02070309020205020404" pitchFamily="49" charset="0"/>
+              </a:rPr>
+              <a:t>#define BIG (X,Y)   X&gt;Y ? X : Y </a:t>
+            </a:r>
+            <a:r>
+              <a:rPr lang="en-US" dirty="0" smtClean="0"/>
+              <a:t/>
+            </a:r>
+            <a:br>
+              <a:rPr lang="en-US" dirty="0" smtClean="0"/>
+            </a:br>
+            <a:r>
+              <a:rPr lang="en-US" dirty="0" smtClean="0"/>
+              <a:t>replaces </a:t>
+            </a:r>
+            <a:r>
+              <a:rPr lang="en-US" sz="2400" dirty="0">
+                <a:latin typeface="Courier New" panose="02070309020205020404" pitchFamily="49" charset="0"/>
+                <a:cs typeface="Courier New" panose="02070309020205020404" pitchFamily="49" charset="0"/>
+              </a:rPr>
+              <a:t>BIG (a, b) </a:t>
+            </a:r>
+            <a:r>
+              <a:rPr lang="en-US" dirty="0" smtClean="0"/>
+              <a:t>by </a:t>
+            </a:r>
+            <a:br>
+              <a:rPr lang="en-US" dirty="0" smtClean="0"/>
+            </a:br>
+            <a:r>
+              <a:rPr lang="en-US" sz="2400" dirty="0" smtClean="0">
+                <a:latin typeface="Courier New" panose="02070309020205020404" pitchFamily="49" charset="0"/>
+                <a:cs typeface="Courier New" panose="02070309020205020404" pitchFamily="49" charset="0"/>
+              </a:rPr>
+              <a:t>a&gt;b ? a : b  </a:t>
+            </a:r>
+            <a:r>
+              <a:rPr lang="en-US" dirty="0" smtClean="0"/>
+              <a:t>in the program before compiling</a:t>
+            </a:r>
+          </a:p>
+          <a:p>
+            <a:r>
+              <a:rPr lang="en-US" dirty="0" smtClean="0"/>
+              <a:t>It is used as a shorthand.</a:t>
+            </a:r>
+          </a:p>
+        </p:txBody>
+      </p:sp>
+      <p:sp>
+        <p:nvSpPr>
+          <p:cNvPr id="4" name="Rounded Rectangle 3"/>
+          <p:cNvSpPr/>
+          <p:nvPr/>
+        </p:nvSpPr>
+        <p:spPr>
+          <a:xfrm>
+            <a:off x="8588" y="7988"/>
+            <a:ext cx="1871785" cy="593408"/>
+          </a:xfrm>
+          <a:prstGeom prst="roundRect">
+            <a:avLst/>
+          </a:prstGeom>
+          <a:solidFill>
+            <a:schemeClr val="accent1">
+              <a:lumMod val="40000"/>
+              <a:lumOff val="60000"/>
+            </a:schemeClr>
+          </a:solidFill>
+        </p:spPr>
+        <p:style>
+          <a:lnRef idx="2">
+            <a:schemeClr val="accent1">
+              <a:shade val="50000"/>
+            </a:schemeClr>
+          </a:lnRef>
+          <a:fillRef idx="1">
+            <a:schemeClr val="accent1"/>
+          </a:fillRef>
+          <a:effectRef idx="0">
+            <a:schemeClr val="accent1"/>
+          </a:effectRef>
+          <a:fontRef idx="minor">
+            <a:schemeClr val="lt1"/>
+          </a:fontRef>
+        </p:style>
+        <p:txBody>
+          <a:bodyPr rtlCol="0" anchor="ctr"/>
+          <a:lstStyle/>
+          <a:p>
+            <a:pPr algn="ctr"/>
+            <a:r>
+              <a:rPr lang="en-US" sz="2800" dirty="0" smtClean="0">
+                <a:solidFill>
+                  <a:schemeClr val="tx1"/>
+                </a:solidFill>
+              </a:rPr>
+              <a:t>#define</a:t>
+            </a:r>
+            <a:endParaRPr lang="en-US" sz="2800" dirty="0">
+              <a:solidFill>
+                <a:schemeClr val="tx1"/>
+              </a:solidFill>
+            </a:endParaRPr>
+          </a:p>
+        </p:txBody>
+      </p:sp>
+      <p:cxnSp>
+        <p:nvCxnSpPr>
+          <p:cNvPr id="6" name="Straight Connector 5"/>
+          <p:cNvCxnSpPr/>
+          <p:nvPr/>
+        </p:nvCxnSpPr>
+        <p:spPr>
+          <a:xfrm>
+            <a:off x="8468751" y="4107766"/>
+            <a:ext cx="0" cy="1336431"/>
+          </a:xfrm>
+          <a:prstGeom prst="line">
+            <a:avLst/>
+          </a:prstGeom>
+          <a:ln w="38100"/>
+        </p:spPr>
+        <p:style>
+          <a:lnRef idx="1">
+            <a:schemeClr val="accent1"/>
+          </a:lnRef>
+          <a:fillRef idx="0">
+            <a:schemeClr val="accent1"/>
+          </a:fillRef>
+          <a:effectRef idx="0">
+            <a:schemeClr val="accent1"/>
+          </a:effectRef>
+          <a:fontRef idx="minor">
+            <a:schemeClr val="tx1"/>
+          </a:fontRef>
+        </p:style>
+      </p:cxnSp>
+      <p:sp>
+        <p:nvSpPr>
+          <p:cNvPr id="7" name="TextBox 6"/>
+          <p:cNvSpPr txBox="1"/>
+          <p:nvPr/>
+        </p:nvSpPr>
+        <p:spPr>
+          <a:xfrm>
+            <a:off x="8567224" y="3953020"/>
+            <a:ext cx="3413760" cy="1754326"/>
+          </a:xfrm>
+          <a:prstGeom prst="rect">
+            <a:avLst/>
+          </a:prstGeom>
+          <a:noFill/>
+        </p:spPr>
+        <p:txBody>
+          <a:bodyPr wrap="square" rtlCol="0">
+            <a:spAutoFit/>
+          </a:bodyPr>
+          <a:lstStyle/>
+          <a:p>
+            <a:r>
+              <a:rPr lang="en-US" u="sng" dirty="0" smtClean="0"/>
+              <a:t>Macro with parameters</a:t>
+            </a:r>
+            <a:r>
+              <a:rPr lang="en-US" dirty="0" smtClean="0"/>
+              <a:t>.</a:t>
+            </a:r>
+          </a:p>
+          <a:p>
+            <a:endParaRPr lang="en-US" dirty="0"/>
+          </a:p>
+          <a:p>
+            <a:r>
+              <a:rPr lang="en-US" dirty="0" smtClean="0"/>
+              <a:t>Note, this is a fancy text substitution,  ….</a:t>
+            </a:r>
+            <a:br>
+              <a:rPr lang="en-US" dirty="0" smtClean="0"/>
+            </a:br>
+            <a:r>
+              <a:rPr lang="en-US" dirty="0" smtClean="0"/>
+              <a:t>    </a:t>
+            </a:r>
+            <a:r>
+              <a:rPr lang="en-US" i="1" dirty="0" smtClean="0">
+                <a:latin typeface="Garamond" panose="02020404030301010803" pitchFamily="18" charset="0"/>
+              </a:rPr>
+              <a:t>not a function definition!</a:t>
+            </a:r>
+          </a:p>
+          <a:p>
+            <a:endParaRPr lang="en-US" dirty="0"/>
+          </a:p>
+        </p:txBody>
+      </p:sp>
+      <p:cxnSp>
+        <p:nvCxnSpPr>
+          <p:cNvPr id="9" name="Straight Connector 8"/>
+          <p:cNvCxnSpPr/>
+          <p:nvPr/>
+        </p:nvCxnSpPr>
+        <p:spPr>
+          <a:xfrm rot="-120000" flipH="1">
+            <a:off x="9988064" y="2839333"/>
+            <a:ext cx="25794" cy="649457"/>
+          </a:xfrm>
+          <a:prstGeom prst="line">
+            <a:avLst/>
+          </a:prstGeom>
+          <a:ln w="38100"/>
+        </p:spPr>
+        <p:style>
+          <a:lnRef idx="1">
+            <a:schemeClr val="accent1"/>
+          </a:lnRef>
+          <a:fillRef idx="0">
+            <a:schemeClr val="accent1"/>
+          </a:fillRef>
+          <a:effectRef idx="0">
+            <a:schemeClr val="accent1"/>
+          </a:effectRef>
+          <a:fontRef idx="minor">
+            <a:schemeClr val="tx1"/>
+          </a:fontRef>
+        </p:style>
+      </p:cxnSp>
+      <p:sp>
+        <p:nvSpPr>
+          <p:cNvPr id="10" name="TextBox 9"/>
+          <p:cNvSpPr txBox="1"/>
+          <p:nvPr/>
+        </p:nvSpPr>
+        <p:spPr>
+          <a:xfrm>
+            <a:off x="9999786" y="2684587"/>
+            <a:ext cx="1831143" cy="923330"/>
+          </a:xfrm>
+          <a:prstGeom prst="rect">
+            <a:avLst/>
+          </a:prstGeom>
+          <a:noFill/>
+        </p:spPr>
+        <p:txBody>
+          <a:bodyPr wrap="square" rtlCol="0">
+            <a:spAutoFit/>
+          </a:bodyPr>
+          <a:lstStyle/>
+          <a:p>
+            <a:r>
+              <a:rPr lang="en-US" u="sng" dirty="0" smtClean="0"/>
+              <a:t>Simple macro</a:t>
+            </a:r>
+            <a:endParaRPr lang="en-US" dirty="0" smtClean="0"/>
+          </a:p>
+          <a:p>
+            <a:r>
+              <a:rPr lang="en-US" dirty="0" smtClean="0"/>
+              <a:t>Simple text </a:t>
+            </a:r>
+            <a:br>
+              <a:rPr lang="en-US" dirty="0" smtClean="0"/>
+            </a:br>
+            <a:r>
+              <a:rPr lang="en-US" dirty="0" smtClean="0"/>
+              <a:t>replacement</a:t>
+            </a:r>
+            <a:endParaRPr lang="en-US" i="1" dirty="0" smtClean="0">
+              <a:latin typeface="Garamond" panose="02020404030301010803" pitchFamily="18" charset="0"/>
+            </a:endParaRPr>
+          </a:p>
+        </p:txBody>
+      </p:sp>
+    </p:spTree>
+    <p:extLst>
+      <p:ext uri="{BB962C8B-B14F-4D97-AF65-F5344CB8AC3E}">
+        <p14:creationId xmlns:p14="http://schemas.microsoft.com/office/powerpoint/2010/main" val="1047309977"/>
+      </p:ext>
+    </p:extLst>
+  </p:cSld>
+  <p:clrMapOvr>
+    <a:masterClrMapping/>
+  </p:clrMapOvr>
+  <p:timing>
+    <p:tnLst>
+      <p:par>
+        <p:cTn id="1" dur="indefinite" restart="never" nodeType="tmRoot"/>
+      </p:par>
+    </p:tnLst>
+  </p:timing>
+</p:sld>
+</file>
+
+<file path=ppt/slides/slide6.xml><?xml version="1.0" encoding="utf-8"?>
+<p:sld xmlns:a="http://schemas.openxmlformats.org/drawingml/2006/main" xmlns:r="http://schemas.openxmlformats.org/officeDocument/2006/relationships" xmlns:p="http://schemas.openxmlformats.org/presentationml/2006/main">
+  <p:cSld>
+    <p:spTree>
+      <p:nvGrpSpPr>
+        <p:cNvPr id="1" name=""/>
+        <p:cNvGrpSpPr/>
+        <p:nvPr/>
+      </p:nvGrpSpPr>
+      <p:grpSpPr>
+        <a:xfrm>
+          <a:off x="0" y="0"/>
+          <a:ext cx="0" cy="0"/>
+          <a:chOff x="0" y="0"/>
+          <a:chExt cx="0" cy="0"/>
+        </a:xfrm>
+      </p:grpSpPr>
+      <p:sp>
+        <p:nvSpPr>
+          <p:cNvPr id="2" name="Title 1"/>
+          <p:cNvSpPr>
+            <a:spLocks noGrp="1"/>
+          </p:cNvSpPr>
+          <p:nvPr>
+            <p:ph type="title"/>
+          </p:nvPr>
+        </p:nvSpPr>
+        <p:spPr>
+          <a:xfrm>
+            <a:off x="838200" y="322922"/>
+            <a:ext cx="10515600" cy="1325563"/>
+          </a:xfrm>
+        </p:spPr>
+        <p:txBody>
+          <a:bodyPr/>
+          <a:lstStyle/>
+          <a:p>
+            <a:r>
+              <a:rPr lang="en-US" dirty="0" smtClean="0"/>
+              <a:t>A simple </a:t>
+            </a:r>
+            <a:r>
+              <a:rPr lang="en-US" sz="4800" i="1" dirty="0">
+                <a:latin typeface="Garamond" panose="02020404030301010803" pitchFamily="18" charset="0"/>
+              </a:rPr>
+              <a:t>macro</a:t>
+            </a:r>
+            <a:r>
+              <a:rPr lang="en-US" dirty="0" smtClean="0"/>
+              <a:t> example</a:t>
+            </a:r>
+            <a:endParaRPr lang="en-US" dirty="0"/>
+          </a:p>
+        </p:txBody>
+      </p:sp>
+      <p:sp>
+        <p:nvSpPr>
+          <p:cNvPr id="3" name="Content Placeholder 2"/>
+          <p:cNvSpPr>
+            <a:spLocks noGrp="1"/>
+          </p:cNvSpPr>
+          <p:nvPr>
+            <p:ph idx="1"/>
+          </p:nvPr>
+        </p:nvSpPr>
         <p:spPr>
           <a:xfrm>
             <a:off x="838200" y="1825625"/>
@@ -4090,7 +6362,7 @@
         </p:spPr>
         <p:txBody>
           <a:bodyPr>
-            <a:normAutofit/>
+            <a:normAutofit lnSpcReduction="10000"/>
           </a:bodyPr>
           <a:lstStyle/>
           <a:p>
@@ -4299,14 +6571,42 @@
                 <a:latin typeface="Courier New" panose="02070309020205020404" pitchFamily="49" charset="0"/>
                 <a:cs typeface="Courier New" panose="02070309020205020404" pitchFamily="49" charset="0"/>
               </a:rPr>
-              <a:t>d”,&amp;n</a:t>
+              <a:t>d</a:t>
+            </a:r>
+            <a:r>
+              <a:rPr lang="en-US" sz="2400" dirty="0" err="1" smtClean="0">
+                <a:latin typeface="Courier New" panose="02070309020205020404" pitchFamily="49" charset="0"/>
+                <a:cs typeface="Courier New" panose="02070309020205020404" pitchFamily="49" charset="0"/>
+              </a:rPr>
+              <a:t>”,&amp;a</a:t>
             </a:r>
             <a:r>
               <a:rPr lang="en-US" sz="2400" dirty="0" smtClean="0">
                 <a:latin typeface="Courier New" panose="02070309020205020404" pitchFamily="49" charset="0"/>
                 <a:cs typeface="Courier New" panose="02070309020205020404" pitchFamily="49" charset="0"/>
               </a:rPr>
-              <a:t>);</a:t>
+              <a:t>[</a:t>
+            </a:r>
+            <a:r>
+              <a:rPr lang="en-US" sz="2400" dirty="0" err="1" smtClean="0">
+                <a:latin typeface="Courier New" panose="02070309020205020404" pitchFamily="49" charset="0"/>
+                <a:cs typeface="Courier New" panose="02070309020205020404" pitchFamily="49" charset="0"/>
+              </a:rPr>
+              <a:t>i</a:t>
+            </a:r>
+            <a:r>
+              <a:rPr lang="en-US" sz="2400" dirty="0" smtClean="0">
+                <a:latin typeface="Courier New" panose="02070309020205020404" pitchFamily="49" charset="0"/>
+                <a:cs typeface="Courier New" panose="02070309020205020404" pitchFamily="49" charset="0"/>
+              </a:rPr>
+              <a:t>]);</a:t>
+            </a:r>
+            <a:r>
+              <a:rPr lang="en-US" sz="2400" dirty="0" smtClean="0">
+                <a:latin typeface="Courier New" panose="02070309020205020404" pitchFamily="49" charset="0"/>
+                <a:cs typeface="Courier New" panose="02070309020205020404" pitchFamily="49" charset="0"/>
+              </a:rPr>
+              <a:t/>
             </a:r>
             <a:br>
               <a:rPr lang="en-US" sz="2400" dirty="0" smtClean="0">
@@ -4552,7 +6852,7 @@
                 <a:latin typeface="Courier New" panose="02070309020205020404" pitchFamily="49" charset="0"/>
                 <a:cs typeface="Courier New" panose="02070309020205020404" pitchFamily="49" charset="0"/>
               </a:rPr>
-              <a:t>#define BIG(X&gt;Y) X &gt; Y ? X : Y </a:t>
+              <a:t>#define BIG(X,Y) X &gt; Y ? X : Y </a:t>
             </a:r>
             <a:r>
               <a:rPr lang="en-US" sz="2400" dirty="0" smtClean="0">
@@ -4875,7 +7175,21 @@
                 <a:latin typeface="Courier New" panose="02070309020205020404" pitchFamily="49" charset="0"/>
                 <a:cs typeface="Courier New" panose="02070309020205020404" pitchFamily="49" charset="0"/>
               </a:rPr>
-              <a:t>define BIG(X&gt;Y) </a:t>
+              <a:t>define </a:t>
+            </a:r>
+            <a:r>
+              <a:rPr lang="en-US" sz="2000" dirty="0" smtClean="0">
+                <a:latin typeface="Courier New" panose="02070309020205020404" pitchFamily="49" charset="0"/>
+                <a:cs typeface="Courier New" panose="02070309020205020404" pitchFamily="49" charset="0"/>
+              </a:rPr>
+              <a:t>BIG(X,Y</a:t>
+            </a:r>
+            <a:r>
+              <a:rPr lang="en-US" sz="2000" dirty="0">
+                <a:latin typeface="Courier New" panose="02070309020205020404" pitchFamily="49" charset="0"/>
+                <a:cs typeface="Courier New" panose="02070309020205020404" pitchFamily="49" charset="0"/>
+              </a:rPr>
+              <a:t>) </a:t>
             </a:r>
             <a:r>
               <a:rPr lang="en-US" sz="2000" dirty="0" smtClean="0">
@@ -5042,6 +7356,64 @@
               <a:t>!</a:t>
             </a:r>
             <a:endParaRPr lang="en-US" sz="2000" b="1" dirty="0">
+              <a:solidFill>
+                <a:schemeClr val="tx1"/>
+              </a:solidFill>
+            </a:endParaRPr>
+          </a:p>
+        </p:txBody>
+      </p:sp>
+      <p:sp>
+        <p:nvSpPr>
+          <p:cNvPr id="9" name="Rounded Rectangle 8"/>
+          <p:cNvSpPr/>
+          <p:nvPr/>
+        </p:nvSpPr>
+        <p:spPr>
+          <a:xfrm>
+            <a:off x="8588" y="7988"/>
+            <a:ext cx="1871785" cy="593408"/>
+          </a:xfrm>
+          <a:prstGeom prst="roundRect">
+            <a:avLst/>
+          </a:prstGeom>
+          <a:solidFill>
+            <a:schemeClr val="accent1">
+              <a:lumMod val="40000"/>
+              <a:lumOff val="60000"/>
+            </a:schemeClr>
+          </a:solidFill>
+        </p:spPr>
+        <p:style>
+          <a:lnRef idx="2">
+            <a:schemeClr val="accent1">
+              <a:shade val="50000"/>
+            </a:schemeClr>
+          </a:lnRef>
+          <a:fillRef idx="1">
+            <a:schemeClr val="accent1"/>
+          </a:fillRef>
+          <a:effectRef idx="0">
+            <a:schemeClr val="accent1"/>
+          </a:effectRef>
+          <a:fontRef idx="minor">
+            <a:schemeClr val="lt1"/>
+          </a:fontRef>
+        </p:style>
+        <p:txBody>
+          <a:bodyPr rtlCol="0" anchor="ctr"/>
+          <a:lstStyle/>
+          <a:p>
+            <a:pPr algn="ctr"/>
+            <a:r>
+              <a:rPr lang="en-US" sz="2800" dirty="0" smtClean="0">
+                <a:solidFill>
+                  <a:schemeClr val="tx1"/>
+                </a:solidFill>
+              </a:rPr>
+              <a:t>#define</a:t>
+            </a:r>
+            <a:endParaRPr lang="en-US" sz="2800" dirty="0">
               <a:solidFill>
                 <a:schemeClr val="tx1"/>
               </a:solidFill>
@@ -5259,7 +7631,7 @@
 </p:sld>
 </file>
 
-<file path=ppt/slides/slide6.xml><?xml version="1.0" encoding="utf-8"?>
+<file path=ppt/slides/slide7.xml><?xml version="1.0" encoding="utf-8"?>
 <p:sld xmlns:a="http://schemas.openxmlformats.org/drawingml/2006/main" xmlns:r="http://schemas.openxmlformats.org/officeDocument/2006/relationships" xmlns:p="http://schemas.openxmlformats.org/presentationml/2006/main">
   <p:cSld>
     <p:spTree>
@@ -5292,17 +7664,27 @@
           <a:lstStyle/>
           <a:p>
             <a:r>
-              <a:rPr lang="en-US" dirty="0" err="1" smtClean="0">
+              <a:rPr lang="en-US" dirty="0">
+                <a:latin typeface="Courier New" panose="02070309020205020404" pitchFamily="49" charset="0"/>
+                <a:cs typeface="Courier New" panose="02070309020205020404" pitchFamily="49" charset="0"/>
+              </a:rPr>
+              <a:t>G</a:t>
+            </a:r>
+            <a:r>
+              <a:rPr lang="en-US" dirty="0" smtClean="0"/>
+              <a:t>ive a new name to an existing type: </a:t>
+            </a:r>
+            <a:r>
+              <a:rPr lang="en-US" sz="3600" b="1" dirty="0" err="1" smtClean="0">
                 <a:latin typeface="Courier New" panose="02070309020205020404" pitchFamily="49" charset="0"/>
                 <a:cs typeface="Courier New" panose="02070309020205020404" pitchFamily="49" charset="0"/>
               </a:rPr>
               <a:t>typedef</a:t>
             </a:r>
-            <a:r>
-              <a:rPr lang="en-US" dirty="0" smtClean="0"/>
-              <a:t> to give a new name to a type</a:t>
-            </a:r>
-            <a:endParaRPr lang="en-US" dirty="0"/>
+            <a:endParaRPr lang="en-US" b="1" dirty="0">
+              <a:latin typeface="Courier New" panose="02070309020205020404" pitchFamily="49" charset="0"/>
+              <a:cs typeface="Courier New" panose="02070309020205020404" pitchFamily="49" charset="0"/>
+            </a:endParaRPr>
           </a:p>
         </p:txBody>
       </p:sp>
@@ -5755,6 +8137,64 @@
               <a:t>An array type:</a:t>
             </a:r>
             <a:endParaRPr lang="en-US" sz="2400" dirty="0"/>
+          </a:p>
+        </p:txBody>
+      </p:sp>
+      <p:sp>
+        <p:nvSpPr>
+          <p:cNvPr id="6" name="Rounded Rectangle 5"/>
+          <p:cNvSpPr/>
+          <p:nvPr/>
+        </p:nvSpPr>
+        <p:spPr>
+          <a:xfrm>
+            <a:off x="8588" y="7988"/>
+            <a:ext cx="1871785" cy="593408"/>
+          </a:xfrm>
+          <a:prstGeom prst="roundRect">
+            <a:avLst/>
+          </a:prstGeom>
+          <a:solidFill>
+            <a:schemeClr val="accent1">
+              <a:lumMod val="40000"/>
+              <a:lumOff val="60000"/>
+            </a:schemeClr>
+          </a:solidFill>
+        </p:spPr>
+        <p:style>
+          <a:lnRef idx="2">
+            <a:schemeClr val="accent1">
+              <a:shade val="50000"/>
+            </a:schemeClr>
+          </a:lnRef>
+          <a:fillRef idx="1">
+            <a:schemeClr val="accent1"/>
+          </a:fillRef>
+          <a:effectRef idx="0">
+            <a:schemeClr val="accent1"/>
+          </a:effectRef>
+          <a:fontRef idx="minor">
+            <a:schemeClr val="lt1"/>
+          </a:fontRef>
+        </p:style>
+        <p:txBody>
+          <a:bodyPr rtlCol="0" anchor="ctr"/>
+          <a:lstStyle/>
+          <a:p>
+            <a:pPr algn="ctr"/>
+            <a:r>
+              <a:rPr lang="en-US" sz="2800" smtClean="0">
+                <a:solidFill>
+                  <a:schemeClr val="tx1"/>
+                </a:solidFill>
+              </a:rPr>
+              <a:t>typedef</a:t>
+            </a:r>
+            <a:endParaRPr lang="en-US" sz="2800" dirty="0">
+              <a:solidFill>
+                <a:schemeClr val="tx1"/>
+              </a:solidFill>
+            </a:endParaRPr>
           </a:p>
         </p:txBody>
       </p:sp>
@@ -6410,4 +8850,265 @@
     </a:ext>
   </a:extLst>
 </a:theme>
+</file>
+
+<file path=ppt/theme/theme2.xml><?xml version="1.0" encoding="utf-8"?>
+<a:theme xmlns:a="http://schemas.openxmlformats.org/drawingml/2006/main" name="Office Theme">
+  <a:themeElements>
+    <a:clrScheme name="Office">
+      <a:dk1>
+        <a:sysClr val="windowText" lastClr="000000"/>
+      </a:dk1>
+      <a:lt1>
+        <a:sysClr val="window" lastClr="FFFFFF"/>
+      </a:lt1>
+      <a:dk2>
+        <a:srgbClr val="44546A"/>
+      </a:dk2>
+      <a:lt2>
+        <a:srgbClr val="E7E6E6"/>
+      </a:lt2>
+      <a:accent1>
+        <a:srgbClr val="5B9BD5"/>
+      </a:accent1>
+      <a:accent2>
+        <a:srgbClr val="ED7D31"/>
+      </a:accent2>
+      <a:accent3>
+        <a:srgbClr val="A5A5A5"/>
+      </a:accent3>
+      <a:accent4>
+        <a:srgbClr val="FFC000"/>
+      </a:accent4>
+      <a:accent5>
+        <a:srgbClr val="4472C4"/>
+      </a:accent5>
+      <a:accent6>
+        <a:srgbClr val="70AD47"/>
+      </a:accent6>
+      <a:hlink>
+        <a:srgbClr val="0563C1"/>
+      </a:hlink>
+      <a:folHlink>
+        <a:srgbClr val="954F72"/>
+      </a:folHlink>
+    </a:clrScheme>
+    <a:fontScheme name="Office">
+      <a:majorFont>
+        <a:latin typeface="Calibri Light" panose="020F0302020204030204"/>
+        <a:ea typeface=""/>
+        <a:cs typeface=""/>
+        <a:font script="Jpan" typeface="游ゴシック Light"/>
+        <a:font script="Hang" typeface="맑은 고딕"/>
+        <a:font script="Hans" typeface="等线 Light"/>
+        <a:font script="Hant" typeface="新細明體"/>
+        <a:font script="Arab" typeface="Times New Roman"/>
+        <a:font script="Hebr" typeface="Times New Roman"/>
+        <a:font script="Thai" typeface="Angsana New"/>
+        <a:font script="Ethi" typeface="Nyala"/>
+        <a:font script="Beng" typeface="Vrinda"/>
+        <a:font script="Gujr" typeface="Shruti"/>
+        <a:font script="Khmr" typeface="MoolBoran"/>
+        <a:font script="Knda" typeface="Tunga"/>
+        <a:font script="Guru" typeface="Raavi"/>
+        <a:font script="Cans" typeface="Euphemia"/>
+        <a:font script="Cher" typeface="Plantagenet Cherokee"/>
+        <a:font script="Yiii" typeface="Microsoft Yi Baiti"/>
+        <a:font script="Tibt" typeface="Microsoft Himalaya"/>
+        <a:font script="Thaa" typeface="MV Boli"/>
+        <a:font script="Deva" typeface="Mangal"/>
+        <a:font script="Telu" typeface="Gautami"/>
+        <a:font script="Taml" typeface="Latha"/>
+        <a:font script="Syrc" typeface="Estrangelo Edessa"/>
+        <a:font script="Orya" typeface="Kalinga"/>
+        <a:font script="Mlym" typeface="Kartika"/>
+        <a:font script="Laoo" typeface="DokChampa"/>
+        <a:font script="Sinh" typeface="Iskoola Pota"/>
+        <a:font script="Mong" typeface="Mongolian Baiti"/>
+        <a:font script="Viet" typeface="Times New Roman"/>
+        <a:font script="Uigh" typeface="Microsoft Uighur"/>
+        <a:font script="Geor" typeface="Sylfaen"/>
+      </a:majorFont>
+      <a:minorFont>
+        <a:latin typeface="Calibri" panose="020F0502020204030204"/>
+        <a:ea typeface=""/>
+        <a:cs typeface=""/>
+        <a:font script="Jpan" typeface="游ゴシック"/>
+        <a:font script="Hang" typeface="맑은 고딕"/>
+        <a:font script="Hans" typeface="等线"/>
+        <a:font script="Hant" typeface="新細明體"/>
+        <a:font script="Arab" typeface="Arial"/>
+        <a:font script="Hebr" typeface="Arial"/>
+        <a:font script="Thai" typeface="Cordia New"/>
+        <a:font script="Ethi" typeface="Nyala"/>
+        <a:font script="Beng" typeface="Vrinda"/>
+        <a:font script="Gujr" typeface="Shruti"/>
+        <a:font script="Khmr" typeface="DaunPenh"/>
+        <a:font script="Knda" typeface="Tunga"/>
+        <a:font script="Guru" typeface="Raavi"/>
+        <a:font script="Cans" typeface="Euphemia"/>
+        <a:font script="Cher" typeface="Plantagenet Cherokee"/>
+        <a:font script="Yiii" typeface="Microsoft Yi Baiti"/>
+        <a:font script="Tibt" typeface="Microsoft Himalaya"/>
+        <a:font script="Thaa" typeface="MV Boli"/>
+        <a:font script="Deva" typeface="Mangal"/>
+        <a:font script="Telu" typeface="Gautami"/>
+        <a:font script="Taml" typeface="Latha"/>
+        <a:font script="Syrc" typeface="Estrangelo Edessa"/>
+        <a:font script="Orya" typeface="Kalinga"/>
+        <a:font script="Mlym" typeface="Kartika"/>
+        <a:font script="Laoo" typeface="DokChampa"/>
+        <a:font script="Sinh" typeface="Iskoola Pota"/>
+        <a:font script="Mong" typeface="Mongolian Baiti"/>
+        <a:font script="Viet" typeface="Arial"/>
+        <a:font script="Uigh" typeface="Microsoft Uighur"/>
+        <a:font script="Geor" typeface="Sylfaen"/>
+      </a:minorFont>
+    </a:fontScheme>
+    <a:fmtScheme name="Office">
+      <a:fillStyleLst>
+        <a:solidFill>
+          <a:schemeClr val="phClr"/>
+        </a:solidFill>
+        <a:gradFill rotWithShape="1">
+          <a:gsLst>
+            <a:gs pos="0">
+              <a:schemeClr val="phClr">
+                <a:lumMod val="110000"/>
+                <a:satMod val="105000"/>
+                <a:tint val="67000"/>
+              </a:schemeClr>
+            </a:gs>
+            <a:gs pos="50000">
+              <a:schemeClr val="phClr">
+                <a:lumMod val="105000"/>
+                <a:satMod val="103000"/>
+                <a:tint val="73000"/>
+              </a:schemeClr>
+            </a:gs>
+            <a:gs pos="100000">
+              <a:schemeClr val="phClr">
+                <a:lumMod val="105000"/>
+                <a:satMod val="109000"/>
+                <a:tint val="81000"/>
+              </a:schemeClr>
+            </a:gs>
+          </a:gsLst>
+          <a:lin ang="5400000" scaled="0"/>
+        </a:gradFill>
+        <a:gradFill rotWithShape="1">
+          <a:gsLst>
+            <a:gs pos="0">
+              <a:schemeClr val="phClr">
+                <a:satMod val="103000"/>
+                <a:lumMod val="102000"/>
+                <a:tint val="94000"/>
+              </a:schemeClr>
+            </a:gs>
+            <a:gs pos="50000">
+              <a:schemeClr val="phClr">
+                <a:satMod val="110000"/>
+                <a:lumMod val="100000"/>
+                <a:shade val="100000"/>
+              </a:schemeClr>
+            </a:gs>
+            <a:gs pos="100000">
+              <a:schemeClr val="phClr">
+                <a:lumMod val="99000"/>
+                <a:satMod val="120000"/>
+                <a:shade val="78000"/>
+              </a:schemeClr>
+            </a:gs>
+          </a:gsLst>
+          <a:lin ang="5400000" scaled="0"/>
+        </a:gradFill>
+      </a:fillStyleLst>
+      <a:lnStyleLst>
+        <a:ln w="6350" cap="flat" cmpd="sng" algn="ctr">
+          <a:solidFill>
+            <a:schemeClr val="phClr"/>
+          </a:solidFill>
+          <a:prstDash val="solid"/>
+          <a:miter lim="800000"/>
+        </a:ln>
+        <a:ln w="12700" cap="flat" cmpd="sng" algn="ctr">
+          <a:solidFill>
+            <a:schemeClr val="phClr"/>
+          </a:solidFill>
+          <a:prstDash val="solid"/>
+          <a:miter lim="800000"/>
+        </a:ln>
+        <a:ln w="19050" cap="flat" cmpd="sng" algn="ctr">
+          <a:solidFill>
+            <a:schemeClr val="phClr"/>
+          </a:solidFill>
+          <a:prstDash val="solid"/>
+          <a:miter lim="800000"/>
+        </a:ln>
+      </a:lnStyleLst>
+      <a:effectStyleLst>
+        <a:effectStyle>
+          <a:effectLst/>
+        </a:effectStyle>
+        <a:effectStyle>
+          <a:effectLst/>
+        </a:effectStyle>
+        <a:effectStyle>
+          <a:effectLst>
+            <a:outerShdw blurRad="57150" dist="19050" dir="5400000" algn="ctr" rotWithShape="0">
+              <a:srgbClr val="000000">
+                <a:alpha val="63000"/>
+              </a:srgbClr>
+            </a:outerShdw>
+          </a:effectLst>
+        </a:effectStyle>
+      </a:effectStyleLst>
+      <a:bgFillStyleLst>
+        <a:solidFill>
+          <a:schemeClr val="phClr"/>
+        </a:solidFill>
+        <a:solidFill>
+          <a:schemeClr val="phClr">
+            <a:tint val="95000"/>
+            <a:satMod val="170000"/>
+          </a:schemeClr>
+        </a:solidFill>
+        <a:gradFill rotWithShape="1">
+          <a:gsLst>
+            <a:gs pos="0">
+              <a:schemeClr val="phClr">
+                <a:tint val="93000"/>
+                <a:satMod val="150000"/>
+                <a:shade val="98000"/>
+                <a:lumMod val="102000"/>
+              </a:schemeClr>
+            </a:gs>
+            <a:gs pos="50000">
+              <a:schemeClr val="phClr">
+                <a:tint val="98000"/>
+                <a:satMod val="130000"/>
+                <a:shade val="90000"/>
+                <a:lumMod val="103000"/>
+              </a:schemeClr>
+            </a:gs>
+            <a:gs pos="100000">
+              <a:schemeClr val="phClr">
+                <a:shade val="63000"/>
+                <a:satMod val="120000"/>
+              </a:schemeClr>
+            </a:gs>
+          </a:gsLst>
+          <a:lin ang="5400000" scaled="0"/>
+        </a:gradFill>
+      </a:bgFillStyleLst>
+    </a:fmtScheme>
+  </a:themeElements>
+  <a:objectDefaults/>
+  <a:extraClrSchemeLst/>
+  <a:extLst>
+    <a:ext uri="{05A4C25C-085E-4340-85A3-A5531E510DB2}">
+      <thm15:themeFamily xmlns:thm15="http://schemas.microsoft.com/office/thememl/2012/main" name="Office Theme" id="{62F939B6-93AF-4DB8-9C6B-D6C7DFDC589F}" vid="{4A3C46E8-61CC-4603-A589-7422A47A8E4A}"/>
+    </a:ext>
+  </a:extLst>
+</a:theme>
 </file>